--- a/Powerpoint Presentation.pptx
+++ b/Powerpoint Presentation.pptx
@@ -1,39 +1,39 @@
 
 <file path=ppt/presentation.xml><?xml version="1.0" encoding="utf-8"?>
-<p:presentation xmlns:a="http://schemas.openxmlformats.org/drawingml/2006/main" xmlns:r="http://schemas.openxmlformats.org/officeDocument/2006/relationships" xmlns:p="http://schemas.openxmlformats.org/presentationml/2006/main" saveSubsetFonts="1" embedTrueTypeFonts="true">
+<p:presentation xmlns:a="http://schemas.openxmlformats.org/drawingml/2006/main" xmlns:r="http://schemas.openxmlformats.org/officeDocument/2006/relationships" xmlns:p="http://schemas.openxmlformats.org/presentationml/2006/main" embedTrueTypeFonts="1" saveSubsetFonts="1">
   <p:sldMasterIdLst>
     <p:sldMasterId id="2147483648" r:id="rId1"/>
   </p:sldMasterIdLst>
   <p:sldIdLst>
-    <p:sldId id="256" r:id="rId6"/>
-    <p:sldId id="257" r:id="rId7"/>
-    <p:sldId id="258" r:id="rId8"/>
-    <p:sldId id="259" r:id="rId9"/>
-    <p:sldId id="260" r:id="rId10"/>
-    <p:sldId id="261" r:id="rId11"/>
-    <p:sldId id="262" r:id="rId12"/>
-    <p:sldId id="263" r:id="rId13"/>
-    <p:sldId id="264" r:id="rId14"/>
-    <p:sldId id="265" r:id="rId15"/>
+    <p:sldId id="256" r:id="rId2"/>
+    <p:sldId id="257" r:id="rId3"/>
+    <p:sldId id="258" r:id="rId4"/>
+    <p:sldId id="259" r:id="rId5"/>
+    <p:sldId id="260" r:id="rId6"/>
+    <p:sldId id="261" r:id="rId7"/>
+    <p:sldId id="262" r:id="rId8"/>
+    <p:sldId id="263" r:id="rId9"/>
+    <p:sldId id="264" r:id="rId10"/>
+    <p:sldId id="265" r:id="rId11"/>
   </p:sldIdLst>
   <p:sldSz cx="18288000" cy="10287000"/>
   <p:notesSz cx="6858000" cy="9144000"/>
   <p:embeddedFontLst>
     <p:embeddedFont>
-      <p:font typeface="Montserrat Classic Bold" charset="1" panose="00000800000000000000"/>
-      <p:regular r:id="rId16"/>
+      <p:font typeface="Montserrat Classic" panose="020B0604020202020204" charset="0"/>
+      <p:regular r:id="rId12"/>
     </p:embeddedFont>
     <p:embeddedFont>
-      <p:font typeface="Montserrat Ultra-Bold" charset="1" panose="00000900000000000000"/>
-      <p:regular r:id="rId17"/>
+      <p:font typeface="Montserrat Classic Bold" panose="020B0604020202020204" charset="0"/>
+      <p:regular r:id="rId13"/>
     </p:embeddedFont>
     <p:embeddedFont>
-      <p:font typeface="Montserrat Classic" charset="1" panose="00000500000000000000"/>
-      <p:regular r:id="rId18"/>
+      <p:font typeface="Montserrat Heavy" panose="020B0604020202020204" charset="0"/>
+      <p:regular r:id="rId14"/>
     </p:embeddedFont>
     <p:embeddedFont>
-      <p:font typeface="Montserrat Heavy" charset="1" panose="00000A00000000000000"/>
-      <p:regular r:id="rId19"/>
+      <p:font typeface="Montserrat Ultra-Bold" panose="020B0604020202020204" charset="0"/>
+      <p:regular r:id="rId15"/>
     </p:embeddedFont>
   </p:embeddedFontLst>
   <p:defaultTextStyle>
@@ -131,6 +131,22 @@
       </a:defRPr>
     </a:lvl9pPr>
   </p:defaultTextStyle>
+  <p:extLst>
+    <p:ext uri="{EFAFB233-063F-42B5-8137-9DF3F51BA10A}">
+      <p15:sldGuideLst xmlns:p15="http://schemas.microsoft.com/office/powerpoint/2012/main">
+        <p15:guide id="1" orient="horz" pos="2160">
+          <p15:clr>
+            <a:srgbClr val="A4A3A4"/>
+          </p15:clr>
+        </p15:guide>
+        <p15:guide id="2" pos="2880">
+          <p15:clr>
+            <a:srgbClr val="A4A3A4"/>
+          </p15:clr>
+        </p15:guide>
+      </p15:sldGuideLst>
+    </p:ext>
+  </p:extLst>
 </p:presentation>
 </file>
 
@@ -172,10 +188,9 @@
           <a:lstStyle/>
           <a:p>
             <a:r>
-              <a:rPr lang="en-US" smtClean="0"/>
+              <a:rPr lang="en-US"/>
               <a:t>Click to edit Master title style</a:t>
             </a:r>
-            <a:endParaRPr lang="en-US"/>
           </a:p>
         </p:txBody>
       </p:sp>
@@ -291,10 +306,9 @@
           </a:lstStyle>
           <a:p>
             <a:r>
-              <a:rPr lang="en-US" smtClean="0"/>
+              <a:rPr lang="en-US"/>
               <a:t>Click to edit Master subtitle style</a:t>
             </a:r>
-            <a:endParaRPr lang="en-US"/>
           </a:p>
         </p:txBody>
       </p:sp>
@@ -316,7 +330,7 @@
             <a:fld id="{1D8BD707-D9CF-40AE-B4C6-C98DA3205C09}" type="datetimeFigureOut">
               <a:rPr lang="en-US" smtClean="0"/>
               <a:pPr/>
-              <a:t>8/1/2011</a:t>
+              <a:t>3/13/2025</a:t>
             </a:fld>
             <a:endParaRPr lang="en-US"/>
           </a:p>
@@ -406,10 +420,9 @@
           <a:lstStyle/>
           <a:p>
             <a:r>
-              <a:rPr lang="en-US" smtClean="0"/>
+              <a:rPr lang="en-US"/>
               <a:t>Click to edit Master title style</a:t>
             </a:r>
-            <a:endParaRPr lang="en-US"/>
           </a:p>
         </p:txBody>
       </p:sp>
@@ -430,38 +443,37 @@
           <a:p>
             <a:pPr lvl="0"/>
             <a:r>
-              <a:rPr lang="en-US" smtClean="0"/>
+              <a:rPr lang="en-US"/>
               <a:t>Click to edit Master text styles</a:t>
             </a:r>
           </a:p>
           <a:p>
             <a:pPr lvl="1"/>
             <a:r>
-              <a:rPr lang="en-US" smtClean="0"/>
+              <a:rPr lang="en-US"/>
               <a:t>Second level</a:t>
             </a:r>
           </a:p>
           <a:p>
             <a:pPr lvl="2"/>
             <a:r>
-              <a:rPr lang="en-US" smtClean="0"/>
+              <a:rPr lang="en-US"/>
               <a:t>Third level</a:t>
             </a:r>
           </a:p>
           <a:p>
             <a:pPr lvl="3"/>
             <a:r>
-              <a:rPr lang="en-US" smtClean="0"/>
+              <a:rPr lang="en-US"/>
               <a:t>Fourth level</a:t>
             </a:r>
           </a:p>
           <a:p>
             <a:pPr lvl="4"/>
             <a:r>
-              <a:rPr lang="en-US" smtClean="0"/>
+              <a:rPr lang="en-US"/>
               <a:t>Fifth level</a:t>
             </a:r>
-            <a:endParaRPr lang="en-US"/>
           </a:p>
         </p:txBody>
       </p:sp>
@@ -483,7 +495,7 @@
             <a:fld id="{1D8BD707-D9CF-40AE-B4C6-C98DA3205C09}" type="datetimeFigureOut">
               <a:rPr lang="en-US" smtClean="0"/>
               <a:pPr/>
-              <a:t>8/1/2011</a:t>
+              <a:t>3/13/2025</a:t>
             </a:fld>
             <a:endParaRPr lang="en-US"/>
           </a:p>
@@ -578,10 +590,9 @@
           <a:lstStyle/>
           <a:p>
             <a:r>
-              <a:rPr lang="en-US" smtClean="0"/>
+              <a:rPr lang="en-US"/>
               <a:t>Click to edit Master title style</a:t>
             </a:r>
-            <a:endParaRPr lang="en-US"/>
           </a:p>
         </p:txBody>
       </p:sp>
@@ -607,38 +618,37 @@
           <a:p>
             <a:pPr lvl="0"/>
             <a:r>
-              <a:rPr lang="en-US" smtClean="0"/>
+              <a:rPr lang="en-US"/>
               <a:t>Click to edit Master text styles</a:t>
             </a:r>
           </a:p>
           <a:p>
             <a:pPr lvl="1"/>
             <a:r>
-              <a:rPr lang="en-US" smtClean="0"/>
+              <a:rPr lang="en-US"/>
               <a:t>Second level</a:t>
             </a:r>
           </a:p>
           <a:p>
             <a:pPr lvl="2"/>
             <a:r>
-              <a:rPr lang="en-US" smtClean="0"/>
+              <a:rPr lang="en-US"/>
               <a:t>Third level</a:t>
             </a:r>
           </a:p>
           <a:p>
             <a:pPr lvl="3"/>
             <a:r>
-              <a:rPr lang="en-US" smtClean="0"/>
+              <a:rPr lang="en-US"/>
               <a:t>Fourth level</a:t>
             </a:r>
           </a:p>
           <a:p>
             <a:pPr lvl="4"/>
             <a:r>
-              <a:rPr lang="en-US" smtClean="0"/>
+              <a:rPr lang="en-US"/>
               <a:t>Fifth level</a:t>
             </a:r>
-            <a:endParaRPr lang="en-US"/>
           </a:p>
         </p:txBody>
       </p:sp>
@@ -660,7 +670,7 @@
             <a:fld id="{1D8BD707-D9CF-40AE-B4C6-C98DA3205C09}" type="datetimeFigureOut">
               <a:rPr lang="en-US" smtClean="0"/>
               <a:pPr/>
-              <a:t>8/1/2011</a:t>
+              <a:t>3/13/2025</a:t>
             </a:fld>
             <a:endParaRPr lang="en-US"/>
           </a:p>
@@ -750,10 +760,9 @@
           <a:lstStyle/>
           <a:p>
             <a:r>
-              <a:rPr lang="en-US" smtClean="0"/>
+              <a:rPr lang="en-US"/>
               <a:t>Click to edit Master title style</a:t>
             </a:r>
-            <a:endParaRPr lang="en-US"/>
           </a:p>
         </p:txBody>
       </p:sp>
@@ -774,38 +783,37 @@
           <a:p>
             <a:pPr lvl="0"/>
             <a:r>
-              <a:rPr lang="en-US" smtClean="0"/>
+              <a:rPr lang="en-US"/>
               <a:t>Click to edit Master text styles</a:t>
             </a:r>
           </a:p>
           <a:p>
             <a:pPr lvl="1"/>
             <a:r>
-              <a:rPr lang="en-US" smtClean="0"/>
+              <a:rPr lang="en-US"/>
               <a:t>Second level</a:t>
             </a:r>
           </a:p>
           <a:p>
             <a:pPr lvl="2"/>
             <a:r>
-              <a:rPr lang="en-US" smtClean="0"/>
+              <a:rPr lang="en-US"/>
               <a:t>Third level</a:t>
             </a:r>
           </a:p>
           <a:p>
             <a:pPr lvl="3"/>
             <a:r>
-              <a:rPr lang="en-US" smtClean="0"/>
+              <a:rPr lang="en-US"/>
               <a:t>Fourth level</a:t>
             </a:r>
           </a:p>
           <a:p>
             <a:pPr lvl="4"/>
             <a:r>
-              <a:rPr lang="en-US" smtClean="0"/>
+              <a:rPr lang="en-US"/>
               <a:t>Fifth level</a:t>
             </a:r>
-            <a:endParaRPr lang="en-US"/>
           </a:p>
         </p:txBody>
       </p:sp>
@@ -827,7 +835,7 @@
             <a:fld id="{1D8BD707-D9CF-40AE-B4C6-C98DA3205C09}" type="datetimeFigureOut">
               <a:rPr lang="en-US" smtClean="0"/>
               <a:pPr/>
-              <a:t>8/1/2011</a:t>
+              <a:t>3/13/2025</a:t>
             </a:fld>
             <a:endParaRPr lang="en-US"/>
           </a:p>
@@ -926,10 +934,9 @@
           </a:lstStyle>
           <a:p>
             <a:r>
-              <a:rPr lang="en-US" smtClean="0"/>
+              <a:rPr lang="en-US"/>
               <a:t>Click to edit Master title style</a:t>
             </a:r>
-            <a:endParaRPr lang="en-US"/>
           </a:p>
         </p:txBody>
       </p:sp>
@@ -1046,7 +1053,7 @@
           <a:p>
             <a:pPr lvl="0"/>
             <a:r>
-              <a:rPr lang="en-US" smtClean="0"/>
+              <a:rPr lang="en-US"/>
               <a:t>Click to edit Master text styles</a:t>
             </a:r>
           </a:p>
@@ -1070,7 +1077,7 @@
             <a:fld id="{1D8BD707-D9CF-40AE-B4C6-C98DA3205C09}" type="datetimeFigureOut">
               <a:rPr lang="en-US" smtClean="0"/>
               <a:pPr/>
-              <a:t>8/1/2011</a:t>
+              <a:t>3/13/2025</a:t>
             </a:fld>
             <a:endParaRPr lang="en-US"/>
           </a:p>
@@ -1160,10 +1167,9 @@
           <a:lstStyle/>
           <a:p>
             <a:r>
-              <a:rPr lang="en-US" smtClean="0"/>
+              <a:rPr lang="en-US"/>
               <a:t>Click to edit Master title style</a:t>
             </a:r>
-            <a:endParaRPr lang="en-US"/>
           </a:p>
         </p:txBody>
       </p:sp>
@@ -1217,38 +1223,37 @@
           <a:p>
             <a:pPr lvl="0"/>
             <a:r>
-              <a:rPr lang="en-US" smtClean="0"/>
+              <a:rPr lang="en-US"/>
               <a:t>Click to edit Master text styles</a:t>
             </a:r>
           </a:p>
           <a:p>
             <a:pPr lvl="1"/>
             <a:r>
-              <a:rPr lang="en-US" smtClean="0"/>
+              <a:rPr lang="en-US"/>
               <a:t>Second level</a:t>
             </a:r>
           </a:p>
           <a:p>
             <a:pPr lvl="2"/>
             <a:r>
-              <a:rPr lang="en-US" smtClean="0"/>
+              <a:rPr lang="en-US"/>
               <a:t>Third level</a:t>
             </a:r>
           </a:p>
           <a:p>
             <a:pPr lvl="3"/>
             <a:r>
-              <a:rPr lang="en-US" smtClean="0"/>
+              <a:rPr lang="en-US"/>
               <a:t>Fourth level</a:t>
             </a:r>
           </a:p>
           <a:p>
             <a:pPr lvl="4"/>
             <a:r>
-              <a:rPr lang="en-US" smtClean="0"/>
+              <a:rPr lang="en-US"/>
               <a:t>Fifth level</a:t>
             </a:r>
-            <a:endParaRPr lang="en-US"/>
           </a:p>
         </p:txBody>
       </p:sp>
@@ -1302,38 +1307,37 @@
           <a:p>
             <a:pPr lvl="0"/>
             <a:r>
-              <a:rPr lang="en-US" smtClean="0"/>
+              <a:rPr lang="en-US"/>
               <a:t>Click to edit Master text styles</a:t>
             </a:r>
           </a:p>
           <a:p>
             <a:pPr lvl="1"/>
             <a:r>
-              <a:rPr lang="en-US" smtClean="0"/>
+              <a:rPr lang="en-US"/>
               <a:t>Second level</a:t>
             </a:r>
           </a:p>
           <a:p>
             <a:pPr lvl="2"/>
             <a:r>
-              <a:rPr lang="en-US" smtClean="0"/>
+              <a:rPr lang="en-US"/>
               <a:t>Third level</a:t>
             </a:r>
           </a:p>
           <a:p>
             <a:pPr lvl="3"/>
             <a:r>
-              <a:rPr lang="en-US" smtClean="0"/>
+              <a:rPr lang="en-US"/>
               <a:t>Fourth level</a:t>
             </a:r>
           </a:p>
           <a:p>
             <a:pPr lvl="4"/>
             <a:r>
-              <a:rPr lang="en-US" smtClean="0"/>
+              <a:rPr lang="en-US"/>
               <a:t>Fifth level</a:t>
             </a:r>
-            <a:endParaRPr lang="en-US"/>
           </a:p>
         </p:txBody>
       </p:sp>
@@ -1355,7 +1359,7 @@
             <a:fld id="{1D8BD707-D9CF-40AE-B4C6-C98DA3205C09}" type="datetimeFigureOut">
               <a:rPr lang="en-US" smtClean="0"/>
               <a:pPr/>
-              <a:t>8/1/2011</a:t>
+              <a:t>3/13/2025</a:t>
             </a:fld>
             <a:endParaRPr lang="en-US"/>
           </a:p>
@@ -1449,10 +1453,9 @@
           </a:lstStyle>
           <a:p>
             <a:r>
-              <a:rPr lang="en-US" smtClean="0"/>
+              <a:rPr lang="en-US"/>
               <a:t>Click to edit Master title style</a:t>
             </a:r>
-            <a:endParaRPr lang="en-US"/>
           </a:p>
         </p:txBody>
       </p:sp>
@@ -1515,7 +1518,7 @@
           <a:p>
             <a:pPr lvl="0"/>
             <a:r>
-              <a:rPr lang="en-US" smtClean="0"/>
+              <a:rPr lang="en-US"/>
               <a:t>Click to edit Master text styles</a:t>
             </a:r>
           </a:p>
@@ -1571,38 +1574,37 @@
           <a:p>
             <a:pPr lvl="0"/>
             <a:r>
-              <a:rPr lang="en-US" smtClean="0"/>
+              <a:rPr lang="en-US"/>
               <a:t>Click to edit Master text styles</a:t>
             </a:r>
           </a:p>
           <a:p>
             <a:pPr lvl="1"/>
             <a:r>
-              <a:rPr lang="en-US" smtClean="0"/>
+              <a:rPr lang="en-US"/>
               <a:t>Second level</a:t>
             </a:r>
           </a:p>
           <a:p>
             <a:pPr lvl="2"/>
             <a:r>
-              <a:rPr lang="en-US" smtClean="0"/>
+              <a:rPr lang="en-US"/>
               <a:t>Third level</a:t>
             </a:r>
           </a:p>
           <a:p>
             <a:pPr lvl="3"/>
             <a:r>
-              <a:rPr lang="en-US" smtClean="0"/>
+              <a:rPr lang="en-US"/>
               <a:t>Fourth level</a:t>
             </a:r>
           </a:p>
           <a:p>
             <a:pPr lvl="4"/>
             <a:r>
-              <a:rPr lang="en-US" smtClean="0"/>
+              <a:rPr lang="en-US"/>
               <a:t>Fifth level</a:t>
             </a:r>
-            <a:endParaRPr lang="en-US"/>
           </a:p>
         </p:txBody>
       </p:sp>
@@ -1665,7 +1667,7 @@
           <a:p>
             <a:pPr lvl="0"/>
             <a:r>
-              <a:rPr lang="en-US" smtClean="0"/>
+              <a:rPr lang="en-US"/>
               <a:t>Click to edit Master text styles</a:t>
             </a:r>
           </a:p>
@@ -1721,38 +1723,37 @@
           <a:p>
             <a:pPr lvl="0"/>
             <a:r>
-              <a:rPr lang="en-US" smtClean="0"/>
+              <a:rPr lang="en-US"/>
               <a:t>Click to edit Master text styles</a:t>
             </a:r>
           </a:p>
           <a:p>
             <a:pPr lvl="1"/>
             <a:r>
-              <a:rPr lang="en-US" smtClean="0"/>
+              <a:rPr lang="en-US"/>
               <a:t>Second level</a:t>
             </a:r>
           </a:p>
           <a:p>
             <a:pPr lvl="2"/>
             <a:r>
-              <a:rPr lang="en-US" smtClean="0"/>
+              <a:rPr lang="en-US"/>
               <a:t>Third level</a:t>
             </a:r>
           </a:p>
           <a:p>
             <a:pPr lvl="3"/>
             <a:r>
-              <a:rPr lang="en-US" smtClean="0"/>
+              <a:rPr lang="en-US"/>
               <a:t>Fourth level</a:t>
             </a:r>
           </a:p>
           <a:p>
             <a:pPr lvl="4"/>
             <a:r>
-              <a:rPr lang="en-US" smtClean="0"/>
+              <a:rPr lang="en-US"/>
               <a:t>Fifth level</a:t>
             </a:r>
-            <a:endParaRPr lang="en-US"/>
           </a:p>
         </p:txBody>
       </p:sp>
@@ -1774,7 +1775,7 @@
             <a:fld id="{1D8BD707-D9CF-40AE-B4C6-C98DA3205C09}" type="datetimeFigureOut">
               <a:rPr lang="en-US" smtClean="0"/>
               <a:pPr/>
-              <a:t>8/1/2011</a:t>
+              <a:t>3/13/2025</a:t>
             </a:fld>
             <a:endParaRPr lang="en-US"/>
           </a:p>
@@ -1864,10 +1865,9 @@
           <a:lstStyle/>
           <a:p>
             <a:r>
-              <a:rPr lang="en-US" smtClean="0"/>
+              <a:rPr lang="en-US"/>
               <a:t>Click to edit Master title style</a:t>
             </a:r>
-            <a:endParaRPr lang="en-US"/>
           </a:p>
         </p:txBody>
       </p:sp>
@@ -1889,7 +1889,7 @@
             <a:fld id="{1D8BD707-D9CF-40AE-B4C6-C98DA3205C09}" type="datetimeFigureOut">
               <a:rPr lang="en-US" smtClean="0"/>
               <a:pPr/>
-              <a:t>8/1/2011</a:t>
+              <a:t>3/13/2025</a:t>
             </a:fld>
             <a:endParaRPr lang="en-US"/>
           </a:p>
@@ -1981,7 +1981,7 @@
             <a:fld id="{1D8BD707-D9CF-40AE-B4C6-C98DA3205C09}" type="datetimeFigureOut">
               <a:rPr lang="en-US" smtClean="0"/>
               <a:pPr/>
-              <a:t>8/1/2011</a:t>
+              <a:t>3/13/2025</a:t>
             </a:fld>
             <a:endParaRPr lang="en-US"/>
           </a:p>
@@ -2080,10 +2080,9 @@
           </a:lstStyle>
           <a:p>
             <a:r>
-              <a:rPr lang="en-US" smtClean="0"/>
+              <a:rPr lang="en-US"/>
               <a:t>Click to edit Master title style</a:t>
             </a:r>
-            <a:endParaRPr lang="en-US"/>
           </a:p>
         </p:txBody>
       </p:sp>
@@ -2137,38 +2136,37 @@
           <a:p>
             <a:pPr lvl="0"/>
             <a:r>
-              <a:rPr lang="en-US" smtClean="0"/>
+              <a:rPr lang="en-US"/>
               <a:t>Click to edit Master text styles</a:t>
             </a:r>
           </a:p>
           <a:p>
             <a:pPr lvl="1"/>
             <a:r>
-              <a:rPr lang="en-US" smtClean="0"/>
+              <a:rPr lang="en-US"/>
               <a:t>Second level</a:t>
             </a:r>
           </a:p>
           <a:p>
             <a:pPr lvl="2"/>
             <a:r>
-              <a:rPr lang="en-US" smtClean="0"/>
+              <a:rPr lang="en-US"/>
               <a:t>Third level</a:t>
             </a:r>
           </a:p>
           <a:p>
             <a:pPr lvl="3"/>
             <a:r>
-              <a:rPr lang="en-US" smtClean="0"/>
+              <a:rPr lang="en-US"/>
               <a:t>Fourth level</a:t>
             </a:r>
           </a:p>
           <a:p>
             <a:pPr lvl="4"/>
             <a:r>
-              <a:rPr lang="en-US" smtClean="0"/>
+              <a:rPr lang="en-US"/>
               <a:t>Fifth level</a:t>
             </a:r>
-            <a:endParaRPr lang="en-US"/>
           </a:p>
         </p:txBody>
       </p:sp>
@@ -2231,7 +2229,7 @@
           <a:p>
             <a:pPr lvl="0"/>
             <a:r>
-              <a:rPr lang="en-US" smtClean="0"/>
+              <a:rPr lang="en-US"/>
               <a:t>Click to edit Master text styles</a:t>
             </a:r>
           </a:p>
@@ -2255,7 +2253,7 @@
             <a:fld id="{1D8BD707-D9CF-40AE-B4C6-C98DA3205C09}" type="datetimeFigureOut">
               <a:rPr lang="en-US" smtClean="0"/>
               <a:pPr/>
-              <a:t>8/1/2011</a:t>
+              <a:t>3/13/2025</a:t>
             </a:fld>
             <a:endParaRPr lang="en-US"/>
           </a:p>
@@ -2354,10 +2352,9 @@
           </a:lstStyle>
           <a:p>
             <a:r>
-              <a:rPr lang="en-US" smtClean="0"/>
+              <a:rPr lang="en-US"/>
               <a:t>Click to edit Master title style</a:t>
             </a:r>
-            <a:endParaRPr lang="en-US"/>
           </a:p>
         </p:txBody>
       </p:sp>
@@ -2481,7 +2478,7 @@
           <a:p>
             <a:pPr lvl="0"/>
             <a:r>
-              <a:rPr lang="en-US" smtClean="0"/>
+              <a:rPr lang="en-US"/>
               <a:t>Click to edit Master text styles</a:t>
             </a:r>
           </a:p>
@@ -2505,7 +2502,7 @@
             <a:fld id="{1D8BD707-D9CF-40AE-B4C6-C98DA3205C09}" type="datetimeFigureOut">
               <a:rPr lang="en-US" smtClean="0"/>
               <a:pPr/>
-              <a:t>8/1/2011</a:t>
+              <a:t>3/13/2025</a:t>
             </a:fld>
             <a:endParaRPr lang="en-US"/>
           </a:p>
@@ -2610,10 +2607,9 @@
           <a:lstStyle/>
           <a:p>
             <a:r>
-              <a:rPr lang="en-US" smtClean="0"/>
+              <a:rPr lang="en-US"/>
               <a:t>Click to edit Master title style</a:t>
             </a:r>
-            <a:endParaRPr lang="en-US"/>
           </a:p>
         </p:txBody>
       </p:sp>
@@ -2644,38 +2640,37 @@
           <a:p>
             <a:pPr lvl="0"/>
             <a:r>
-              <a:rPr lang="en-US" smtClean="0"/>
+              <a:rPr lang="en-US"/>
               <a:t>Click to edit Master text styles</a:t>
             </a:r>
           </a:p>
           <a:p>
             <a:pPr lvl="1"/>
             <a:r>
-              <a:rPr lang="en-US" smtClean="0"/>
+              <a:rPr lang="en-US"/>
               <a:t>Second level</a:t>
             </a:r>
           </a:p>
           <a:p>
             <a:pPr lvl="2"/>
             <a:r>
-              <a:rPr lang="en-US" smtClean="0"/>
+              <a:rPr lang="en-US"/>
               <a:t>Third level</a:t>
             </a:r>
           </a:p>
           <a:p>
             <a:pPr lvl="3"/>
             <a:r>
-              <a:rPr lang="en-US" smtClean="0"/>
+              <a:rPr lang="en-US"/>
               <a:t>Fourth level</a:t>
             </a:r>
           </a:p>
           <a:p>
             <a:pPr lvl="4"/>
             <a:r>
-              <a:rPr lang="en-US" smtClean="0"/>
+              <a:rPr lang="en-US"/>
               <a:t>Fifth level</a:t>
             </a:r>
-            <a:endParaRPr lang="en-US"/>
           </a:p>
         </p:txBody>
       </p:sp>
@@ -2715,7 +2710,7 @@
             <a:fld id="{1D8BD707-D9CF-40AE-B4C6-C98DA3205C09}" type="datetimeFigureOut">
               <a:rPr lang="en-US" smtClean="0"/>
               <a:pPr/>
-              <a:t>8/1/2011</a:t>
+              <a:t>3/13/2025</a:t>
             </a:fld>
             <a:endParaRPr lang="en-US"/>
           </a:p>
@@ -3070,7 +3065,7 @@
 </file>
 
 <file path=ppt/slides/slide1.xml><?xml version="1.0" encoding="utf-8"?>
-<p:sld xmlns:p="http://schemas.openxmlformats.org/presentationml/2006/main" xmlns:a="http://schemas.openxmlformats.org/drawingml/2006/main" xmlns:r="http://schemas.openxmlformats.org/officeDocument/2006/relationships">
+<p:sld xmlns:a="http://schemas.openxmlformats.org/drawingml/2006/main" xmlns:r="http://schemas.openxmlformats.org/officeDocument/2006/relationships" xmlns:p="http://schemas.openxmlformats.org/presentationml/2006/main">
   <p:cSld>
     <p:spTree>
       <p:nvGrpSpPr>
@@ -3088,12 +3083,12 @@
       </p:grpSpPr>
       <p:grpSp>
         <p:nvGrpSpPr>
-          <p:cNvPr name="Group 2" id="2"/>
+          <p:cNvPr id="2" name="Group 2"/>
           <p:cNvGrpSpPr/>
           <p:nvPr/>
         </p:nvGrpSpPr>
         <p:grpSpPr>
-          <a:xfrm rot="0">
+          <a:xfrm>
             <a:off x="1240790" y="0"/>
             <a:ext cx="212090" cy="5143500"/>
             <a:chOff x="0" y="0"/>
@@ -3102,12 +3097,12 @@
         </p:grpSpPr>
         <p:sp>
           <p:nvSpPr>
-            <p:cNvPr name="Freeform 3" id="3"/>
+            <p:cNvPr id="3" name="Freeform 3"/>
             <p:cNvSpPr/>
             <p:nvPr/>
           </p:nvSpPr>
           <p:spPr>
-            <a:xfrm flipH="false" flipV="false" rot="0">
+            <a:xfrm>
               <a:off x="0" y="0"/>
               <a:ext cx="55859" cy="1354667"/>
             </a:xfrm>
@@ -3116,9 +3111,9 @@
               <a:gdLst/>
               <a:ahLst/>
               <a:cxnLst/>
-              <a:rect r="r" b="b" t="t" l="l"/>
+              <a:rect l="l" t="t" r="r" b="b"/>
               <a:pathLst>
-                <a:path h="1354667" w="55859">
+                <a:path w="55859" h="1354667">
                   <a:moveTo>
                     <a:pt x="0" y="0"/>
                   </a:moveTo>
@@ -3142,8 +3137,8 @@
         </p:sp>
         <p:sp>
           <p:nvSpPr>
-            <p:cNvPr name="TextBox 4" id="4"/>
-            <p:cNvSpPr txBox="true"/>
+            <p:cNvPr id="4" name="TextBox 4"/>
+            <p:cNvSpPr txBox="1"/>
             <p:nvPr/>
           </p:nvSpPr>
           <p:spPr>
@@ -3156,7 +3151,7 @@
             </a:prstGeom>
           </p:spPr>
           <p:txBody>
-            <a:bodyPr anchor="ctr" rtlCol="false" tIns="50800" lIns="50800" bIns="50800" rIns="50800"/>
+            <a:bodyPr lIns="50800" tIns="50800" rIns="50800" bIns="50800" rtlCol="0" anchor="ctr"/>
             <a:lstStyle/>
             <a:p>
               <a:pPr algn="ctr">
@@ -3167,18 +3162,19 @@
                   <a:spcPct val="0"/>
                 </a:spcBef>
               </a:pPr>
+              <a:endParaRPr/>
             </a:p>
           </p:txBody>
         </p:sp>
       </p:grpSp>
       <p:sp>
         <p:nvSpPr>
-          <p:cNvPr name="TextBox 5" id="5"/>
-          <p:cNvSpPr txBox="true"/>
+          <p:cNvPr id="5" name="TextBox 5"/>
+          <p:cNvSpPr txBox="1"/>
           <p:nvPr/>
         </p:nvSpPr>
         <p:spPr>
-          <a:xfrm rot="0">
+          <a:xfrm>
             <a:off x="6987934" y="8328256"/>
             <a:ext cx="10965348" cy="1261110"/>
           </a:xfrm>
@@ -3187,7 +3183,7 @@
           </a:prstGeom>
         </p:spPr>
         <p:txBody>
-          <a:bodyPr anchor="t" rtlCol="false" tIns="0" lIns="0" bIns="0" rIns="0">
+          <a:bodyPr lIns="0" tIns="0" rIns="0" bIns="0" rtlCol="0" anchor="t">
             <a:spAutoFit/>
           </a:bodyPr>
           <a:lstStyle/>
@@ -3198,7 +3194,7 @@
               </a:lnSpc>
             </a:pPr>
             <a:r>
-              <a:rPr lang="en-US" sz="3600" b="true">
+              <a:rPr lang="en-US" sz="3600" b="1">
                 <a:solidFill>
                   <a:srgbClr val="101010"/>
                 </a:solidFill>
@@ -3216,17 +3212,26 @@
                 <a:spcPts val="5040"/>
               </a:lnSpc>
             </a:pPr>
+            <a:endParaRPr lang="en-US" sz="3600" b="1">
+              <a:solidFill>
+                <a:srgbClr val="101010"/>
+              </a:solidFill>
+              <a:latin typeface="Montserrat Classic Bold"/>
+              <a:ea typeface="Montserrat Classic Bold"/>
+              <a:cs typeface="Montserrat Classic Bold"/>
+              <a:sym typeface="Montserrat Classic Bold"/>
+            </a:endParaRPr>
           </a:p>
         </p:txBody>
       </p:sp>
       <p:grpSp>
         <p:nvGrpSpPr>
-          <p:cNvPr name="Group 6" id="6"/>
+          <p:cNvPr id="6" name="Group 6"/>
           <p:cNvGrpSpPr/>
           <p:nvPr/>
         </p:nvGrpSpPr>
         <p:grpSpPr>
-          <a:xfrm rot="0">
+          <a:xfrm>
             <a:off x="7474072" y="9258300"/>
             <a:ext cx="10479210" cy="203431"/>
             <a:chOff x="0" y="0"/>
@@ -3235,12 +3240,12 @@
         </p:grpSpPr>
         <p:sp>
           <p:nvSpPr>
-            <p:cNvPr name="Freeform 7" id="7"/>
+            <p:cNvPr id="7" name="Freeform 7"/>
             <p:cNvSpPr/>
             <p:nvPr/>
           </p:nvSpPr>
           <p:spPr>
-            <a:xfrm flipH="false" flipV="false" rot="0">
+            <a:xfrm>
               <a:off x="0" y="0"/>
               <a:ext cx="2759957" cy="53579"/>
             </a:xfrm>
@@ -3249,9 +3254,9 @@
               <a:gdLst/>
               <a:ahLst/>
               <a:cxnLst/>
-              <a:rect r="r" b="b" t="t" l="l"/>
+              <a:rect l="l" t="t" r="r" b="b"/>
               <a:pathLst>
-                <a:path h="53579" w="2759957">
+                <a:path w="2759957" h="53579">
                   <a:moveTo>
                     <a:pt x="0" y="0"/>
                   </a:moveTo>
@@ -3275,8 +3280,8 @@
         </p:sp>
         <p:sp>
           <p:nvSpPr>
-            <p:cNvPr name="TextBox 8" id="8"/>
-            <p:cNvSpPr txBox="true"/>
+            <p:cNvPr id="8" name="TextBox 8"/>
+            <p:cNvSpPr txBox="1"/>
             <p:nvPr/>
           </p:nvSpPr>
           <p:spPr>
@@ -3289,7 +3294,7 @@
             </a:prstGeom>
           </p:spPr>
           <p:txBody>
-            <a:bodyPr anchor="ctr" rtlCol="false" tIns="50800" lIns="50800" bIns="50800" rIns="50800"/>
+            <a:bodyPr lIns="50800" tIns="50800" rIns="50800" bIns="50800" rtlCol="0" anchor="ctr"/>
             <a:lstStyle/>
             <a:p>
               <a:pPr algn="ctr">
@@ -3300,18 +3305,19 @@
                   <a:spcPct val="0"/>
                 </a:spcBef>
               </a:pPr>
+              <a:endParaRPr/>
             </a:p>
           </p:txBody>
         </p:sp>
       </p:grpSp>
       <p:sp>
         <p:nvSpPr>
-          <p:cNvPr name="Freeform 9" id="9"/>
+          <p:cNvPr id="9" name="Freeform 9"/>
           <p:cNvSpPr/>
           <p:nvPr/>
         </p:nvSpPr>
         <p:spPr>
-          <a:xfrm flipH="false" flipV="false" rot="0">
+          <a:xfrm>
             <a:off x="15449673" y="89847"/>
             <a:ext cx="2503609" cy="1877707"/>
           </a:xfrm>
@@ -3320,9 +3326,9 @@
             <a:gdLst/>
             <a:ahLst/>
             <a:cxnLst/>
-            <a:rect r="r" b="b" t="t" l="l"/>
+            <a:rect l="l" t="t" r="r" b="b"/>
             <a:pathLst>
-              <a:path h="1877707" w="2503609">
+              <a:path w="2503609" h="1877707">
                 <a:moveTo>
                   <a:pt x="0" y="0"/>
                 </a:moveTo>
@@ -3345,19 +3351,19 @@
           <a:blipFill>
             <a:blip r:embed="rId2"/>
             <a:stretch>
-              <a:fillRect l="0" t="0" r="0" b="0"/>
+              <a:fillRect/>
             </a:stretch>
           </a:blipFill>
         </p:spPr>
       </p:sp>
       <p:sp>
         <p:nvSpPr>
-          <p:cNvPr name="TextBox 10" id="10"/>
-          <p:cNvSpPr txBox="true"/>
+          <p:cNvPr id="10" name="TextBox 10"/>
+          <p:cNvSpPr txBox="1"/>
           <p:nvPr/>
         </p:nvSpPr>
         <p:spPr>
-          <a:xfrm rot="0">
+          <a:xfrm>
             <a:off x="1937193" y="3570798"/>
             <a:ext cx="16016088" cy="632535"/>
           </a:xfrm>
@@ -3366,7 +3372,7 @@
           </a:prstGeom>
         </p:spPr>
         <p:txBody>
-          <a:bodyPr anchor="t" rtlCol="false" tIns="0" lIns="0" bIns="0" rIns="0">
+          <a:bodyPr lIns="0" tIns="0" rIns="0" bIns="0" rtlCol="0" anchor="t">
             <a:spAutoFit/>
           </a:bodyPr>
           <a:lstStyle/>
@@ -3377,7 +3383,7 @@
               </a:lnSpc>
             </a:pPr>
             <a:r>
-              <a:rPr lang="en-US" b="true" sz="4503">
+              <a:rPr lang="en-US" sz="4503" b="1">
                 <a:solidFill>
                   <a:srgbClr val="1211CA"/>
                 </a:solidFill>
@@ -3393,12 +3399,12 @@
       </p:sp>
       <p:sp>
         <p:nvSpPr>
-          <p:cNvPr name="TextBox 11" id="11"/>
-          <p:cNvSpPr txBox="true"/>
+          <p:cNvPr id="11" name="TextBox 11"/>
+          <p:cNvSpPr txBox="1"/>
           <p:nvPr/>
         </p:nvSpPr>
         <p:spPr>
-          <a:xfrm rot="0">
+          <a:xfrm>
             <a:off x="1937193" y="4250958"/>
             <a:ext cx="16016088" cy="1266825"/>
           </a:xfrm>
@@ -3407,7 +3413,7 @@
           </a:prstGeom>
         </p:spPr>
         <p:txBody>
-          <a:bodyPr anchor="t" rtlCol="false" tIns="0" lIns="0" bIns="0" rIns="0">
+          <a:bodyPr lIns="0" tIns="0" rIns="0" bIns="0" rtlCol="0" anchor="t">
             <a:spAutoFit/>
           </a:bodyPr>
           <a:lstStyle/>
@@ -3418,7 +3424,7 @@
               </a:lnSpc>
             </a:pPr>
             <a:r>
-              <a:rPr lang="en-US" b="true" sz="4500">
+              <a:rPr lang="en-US" sz="4500" b="1" dirty="0">
                 <a:solidFill>
                   <a:srgbClr val="F9B314"/>
                 </a:solidFill>
@@ -3434,8 +3440,8 @@
       </p:sp>
       <p:sp>
         <p:nvSpPr>
-          <p:cNvPr name="TextBox 12" id="12"/>
-          <p:cNvSpPr txBox="true"/>
+          <p:cNvPr id="12" name="TextBox 12"/>
+          <p:cNvSpPr txBox="1"/>
           <p:nvPr/>
         </p:nvSpPr>
         <p:spPr>
@@ -3448,7 +3454,7 @@
           </a:prstGeom>
         </p:spPr>
         <p:txBody>
-          <a:bodyPr anchor="t" rtlCol="false" tIns="0" lIns="0" bIns="0" rIns="0">
+          <a:bodyPr lIns="0" tIns="0" rIns="0" bIns="0" rtlCol="0" anchor="t">
             <a:spAutoFit/>
           </a:bodyPr>
           <a:lstStyle/>
@@ -3475,12 +3481,12 @@
       </p:sp>
       <p:sp>
         <p:nvSpPr>
-          <p:cNvPr name="TextBox 13" id="13"/>
-          <p:cNvSpPr txBox="true"/>
+          <p:cNvPr id="13" name="TextBox 13"/>
+          <p:cNvSpPr txBox="1"/>
           <p:nvPr/>
         </p:nvSpPr>
         <p:spPr>
-          <a:xfrm rot="0">
+          <a:xfrm>
             <a:off x="2829775" y="6282497"/>
             <a:ext cx="14429525" cy="976630"/>
           </a:xfrm>
@@ -3489,7 +3495,7 @@
           </a:prstGeom>
         </p:spPr>
         <p:txBody>
-          <a:bodyPr anchor="t" rtlCol="false" tIns="0" lIns="0" bIns="0" rIns="0">
+          <a:bodyPr lIns="0" tIns="0" rIns="0" bIns="0" rtlCol="0" anchor="t">
             <a:spAutoFit/>
           </a:bodyPr>
           <a:lstStyle/>
@@ -3542,7 +3548,7 @@
 </file>
 
 <file path=ppt/slides/slide10.xml><?xml version="1.0" encoding="utf-8"?>
-<p:sld xmlns:p="http://schemas.openxmlformats.org/presentationml/2006/main" xmlns:a="http://schemas.openxmlformats.org/drawingml/2006/main" xmlns:r="http://schemas.openxmlformats.org/officeDocument/2006/relationships">
+<p:sld xmlns:a="http://schemas.openxmlformats.org/drawingml/2006/main" xmlns:r="http://schemas.openxmlformats.org/officeDocument/2006/relationships" xmlns:p="http://schemas.openxmlformats.org/presentationml/2006/main">
   <p:cSld>
     <p:spTree>
       <p:nvGrpSpPr>
@@ -3560,12 +3566,12 @@
       </p:grpSpPr>
       <p:grpSp>
         <p:nvGrpSpPr>
-          <p:cNvPr name="Group 2" id="2"/>
+          <p:cNvPr id="2" name="Group 2"/>
           <p:cNvGrpSpPr/>
           <p:nvPr/>
         </p:nvGrpSpPr>
         <p:grpSpPr>
-          <a:xfrm rot="0">
+          <a:xfrm>
             <a:off x="1240790" y="0"/>
             <a:ext cx="212090" cy="5143500"/>
             <a:chOff x="0" y="0"/>
@@ -3574,12 +3580,12 @@
         </p:grpSpPr>
         <p:sp>
           <p:nvSpPr>
-            <p:cNvPr name="Freeform 3" id="3"/>
+            <p:cNvPr id="3" name="Freeform 3"/>
             <p:cNvSpPr/>
             <p:nvPr/>
           </p:nvSpPr>
           <p:spPr>
-            <a:xfrm flipH="false" flipV="false" rot="0">
+            <a:xfrm>
               <a:off x="0" y="0"/>
               <a:ext cx="55859" cy="1354667"/>
             </a:xfrm>
@@ -3588,9 +3594,9 @@
               <a:gdLst/>
               <a:ahLst/>
               <a:cxnLst/>
-              <a:rect r="r" b="b" t="t" l="l"/>
+              <a:rect l="l" t="t" r="r" b="b"/>
               <a:pathLst>
-                <a:path h="1354667" w="55859">
+                <a:path w="55859" h="1354667">
                   <a:moveTo>
                     <a:pt x="0" y="0"/>
                   </a:moveTo>
@@ -3614,8 +3620,8 @@
         </p:sp>
         <p:sp>
           <p:nvSpPr>
-            <p:cNvPr name="TextBox 4" id="4"/>
-            <p:cNvSpPr txBox="true"/>
+            <p:cNvPr id="4" name="TextBox 4"/>
+            <p:cNvSpPr txBox="1"/>
             <p:nvPr/>
           </p:nvSpPr>
           <p:spPr>
@@ -3628,7 +3634,7 @@
             </a:prstGeom>
           </p:spPr>
           <p:txBody>
-            <a:bodyPr anchor="ctr" rtlCol="false" tIns="50800" lIns="50800" bIns="50800" rIns="50800"/>
+            <a:bodyPr lIns="50800" tIns="50800" rIns="50800" bIns="50800" rtlCol="0" anchor="ctr"/>
             <a:lstStyle/>
             <a:p>
               <a:pPr algn="ctr">
@@ -3639,18 +3645,19 @@
                   <a:spcPct val="0"/>
                 </a:spcBef>
               </a:pPr>
+              <a:endParaRPr/>
             </a:p>
           </p:txBody>
         </p:sp>
       </p:grpSp>
       <p:sp>
         <p:nvSpPr>
-          <p:cNvPr name="TextBox 5" id="5"/>
-          <p:cNvSpPr txBox="true"/>
+          <p:cNvPr id="5" name="TextBox 5"/>
+          <p:cNvSpPr txBox="1"/>
           <p:nvPr/>
         </p:nvSpPr>
         <p:spPr>
-          <a:xfrm rot="0">
+          <a:xfrm>
             <a:off x="2794627" y="3429698"/>
             <a:ext cx="9288593" cy="1360170"/>
           </a:xfrm>
@@ -3659,7 +3666,7 @@
           </a:prstGeom>
         </p:spPr>
         <p:txBody>
-          <a:bodyPr anchor="t" rtlCol="false" tIns="0" lIns="0" bIns="0" rIns="0">
+          <a:bodyPr lIns="0" tIns="0" rIns="0" bIns="0" rtlCol="0" anchor="t">
             <a:spAutoFit/>
           </a:bodyPr>
           <a:lstStyle/>
@@ -3670,7 +3677,7 @@
               </a:lnSpc>
             </a:pPr>
             <a:r>
-              <a:rPr lang="en-US" b="true" sz="9600">
+              <a:rPr lang="en-US" sz="9600" b="1">
                 <a:solidFill>
                   <a:srgbClr val="1211CA"/>
                 </a:solidFill>
@@ -3686,8 +3693,8 @@
       </p:sp>
       <p:sp>
         <p:nvSpPr>
-          <p:cNvPr name="TextBox 6" id="6"/>
-          <p:cNvSpPr txBox="true"/>
+          <p:cNvPr id="6" name="TextBox 6"/>
+          <p:cNvSpPr txBox="1"/>
           <p:nvPr/>
         </p:nvSpPr>
         <p:spPr>
@@ -3700,7 +3707,7 @@
           </a:prstGeom>
         </p:spPr>
         <p:txBody>
-          <a:bodyPr anchor="t" rtlCol="false" tIns="0" lIns="0" bIns="0" rIns="0">
+          <a:bodyPr lIns="0" tIns="0" rIns="0" bIns="0" rtlCol="0" anchor="t">
             <a:spAutoFit/>
           </a:bodyPr>
           <a:lstStyle/>
@@ -3727,12 +3734,12 @@
       </p:sp>
       <p:grpSp>
         <p:nvGrpSpPr>
-          <p:cNvPr name="Group 7" id="7"/>
+          <p:cNvPr id="7" name="Group 7"/>
           <p:cNvGrpSpPr/>
           <p:nvPr/>
         </p:nvGrpSpPr>
         <p:grpSpPr>
-          <a:xfrm rot="0">
+          <a:xfrm>
             <a:off x="7474072" y="9258300"/>
             <a:ext cx="10479210" cy="203431"/>
             <a:chOff x="0" y="0"/>
@@ -3741,12 +3748,12 @@
         </p:grpSpPr>
         <p:sp>
           <p:nvSpPr>
-            <p:cNvPr name="Freeform 8" id="8"/>
+            <p:cNvPr id="8" name="Freeform 8"/>
             <p:cNvSpPr/>
             <p:nvPr/>
           </p:nvSpPr>
           <p:spPr>
-            <a:xfrm flipH="false" flipV="false" rot="0">
+            <a:xfrm>
               <a:off x="0" y="0"/>
               <a:ext cx="2759957" cy="53579"/>
             </a:xfrm>
@@ -3755,9 +3762,9 @@
               <a:gdLst/>
               <a:ahLst/>
               <a:cxnLst/>
-              <a:rect r="r" b="b" t="t" l="l"/>
+              <a:rect l="l" t="t" r="r" b="b"/>
               <a:pathLst>
-                <a:path h="53579" w="2759957">
+                <a:path w="2759957" h="53579">
                   <a:moveTo>
                     <a:pt x="0" y="0"/>
                   </a:moveTo>
@@ -3781,8 +3788,8 @@
         </p:sp>
         <p:sp>
           <p:nvSpPr>
-            <p:cNvPr name="TextBox 9" id="9"/>
-            <p:cNvSpPr txBox="true"/>
+            <p:cNvPr id="9" name="TextBox 9"/>
+            <p:cNvSpPr txBox="1"/>
             <p:nvPr/>
           </p:nvSpPr>
           <p:spPr>
@@ -3795,7 +3802,7 @@
             </a:prstGeom>
           </p:spPr>
           <p:txBody>
-            <a:bodyPr anchor="ctr" rtlCol="false" tIns="50800" lIns="50800" bIns="50800" rIns="50800"/>
+            <a:bodyPr lIns="50800" tIns="50800" rIns="50800" bIns="50800" rtlCol="0" anchor="ctr"/>
             <a:lstStyle/>
             <a:p>
               <a:pPr algn="ctr">
@@ -3806,18 +3813,19 @@
                   <a:spcPct val="0"/>
                 </a:spcBef>
               </a:pPr>
+              <a:endParaRPr/>
             </a:p>
           </p:txBody>
         </p:sp>
       </p:grpSp>
       <p:sp>
         <p:nvSpPr>
-          <p:cNvPr name="Freeform 10" id="10"/>
+          <p:cNvPr id="10" name="Freeform 10"/>
           <p:cNvSpPr/>
           <p:nvPr/>
         </p:nvSpPr>
         <p:spPr>
-          <a:xfrm flipH="false" flipV="false" rot="0">
+          <a:xfrm>
             <a:off x="15449673" y="89847"/>
             <a:ext cx="2503609" cy="1877707"/>
           </a:xfrm>
@@ -3826,9 +3834,9 @@
             <a:gdLst/>
             <a:ahLst/>
             <a:cxnLst/>
-            <a:rect r="r" b="b" t="t" l="l"/>
+            <a:rect l="l" t="t" r="r" b="b"/>
             <a:pathLst>
-              <a:path h="1877707" w="2503609">
+              <a:path w="2503609" h="1877707">
                 <a:moveTo>
                   <a:pt x="0" y="0"/>
                 </a:moveTo>
@@ -3851,19 +3859,19 @@
           <a:blipFill>
             <a:blip r:embed="rId2"/>
             <a:stretch>
-              <a:fillRect l="0" t="0" r="0" b="0"/>
+              <a:fillRect/>
             </a:stretch>
           </a:blipFill>
         </p:spPr>
       </p:sp>
       <p:sp>
         <p:nvSpPr>
-          <p:cNvPr name="TextBox 11" id="11"/>
-          <p:cNvSpPr txBox="true"/>
+          <p:cNvPr id="11" name="TextBox 11"/>
+          <p:cNvSpPr txBox="1"/>
           <p:nvPr/>
         </p:nvSpPr>
         <p:spPr>
-          <a:xfrm rot="0">
+          <a:xfrm>
             <a:off x="2829775" y="5033962"/>
             <a:ext cx="14429525" cy="976630"/>
           </a:xfrm>
@@ -3872,7 +3880,7 @@
           </a:prstGeom>
         </p:spPr>
         <p:txBody>
-          <a:bodyPr anchor="t" rtlCol="false" tIns="0" lIns="0" bIns="0" rIns="0">
+          <a:bodyPr lIns="0" tIns="0" rIns="0" bIns="0" rtlCol="0" anchor="t">
             <a:spAutoFit/>
           </a:bodyPr>
           <a:lstStyle/>
@@ -3918,12 +3926,12 @@
       </p:sp>
       <p:sp>
         <p:nvSpPr>
-          <p:cNvPr name="TextBox 12" id="12"/>
-          <p:cNvSpPr txBox="true"/>
+          <p:cNvPr id="12" name="TextBox 12"/>
+          <p:cNvSpPr txBox="1"/>
           <p:nvPr/>
         </p:nvSpPr>
         <p:spPr>
-          <a:xfrm rot="0">
+          <a:xfrm>
             <a:off x="6987934" y="8328256"/>
             <a:ext cx="10965348" cy="1261110"/>
           </a:xfrm>
@@ -3932,7 +3940,7 @@
           </a:prstGeom>
         </p:spPr>
         <p:txBody>
-          <a:bodyPr anchor="t" rtlCol="false" tIns="0" lIns="0" bIns="0" rIns="0">
+          <a:bodyPr lIns="0" tIns="0" rIns="0" bIns="0" rtlCol="0" anchor="t">
             <a:spAutoFit/>
           </a:bodyPr>
           <a:lstStyle/>
@@ -3943,7 +3951,7 @@
               </a:lnSpc>
             </a:pPr>
             <a:r>
-              <a:rPr lang="en-US" sz="3600" b="true">
+              <a:rPr lang="en-US" sz="3600" b="1">
                 <a:solidFill>
                   <a:srgbClr val="101010"/>
                 </a:solidFill>
@@ -3961,6 +3969,15 @@
                 <a:spcPts val="5040"/>
               </a:lnSpc>
             </a:pPr>
+            <a:endParaRPr lang="en-US" sz="3600" b="1">
+              <a:solidFill>
+                <a:srgbClr val="101010"/>
+              </a:solidFill>
+              <a:latin typeface="Montserrat Classic Bold"/>
+              <a:ea typeface="Montserrat Classic Bold"/>
+              <a:cs typeface="Montserrat Classic Bold"/>
+              <a:sym typeface="Montserrat Classic Bold"/>
+            </a:endParaRPr>
           </a:p>
         </p:txBody>
       </p:sp>
@@ -3973,7 +3990,7 @@
 </file>
 
 <file path=ppt/slides/slide2.xml><?xml version="1.0" encoding="utf-8"?>
-<p:sld xmlns:p="http://schemas.openxmlformats.org/presentationml/2006/main" xmlns:a="http://schemas.openxmlformats.org/drawingml/2006/main">
+<p:sld xmlns:a="http://schemas.openxmlformats.org/drawingml/2006/main" xmlns:r="http://schemas.openxmlformats.org/officeDocument/2006/relationships" xmlns:p="http://schemas.openxmlformats.org/presentationml/2006/main">
   <p:cSld>
     <p:spTree>
       <p:nvGrpSpPr>
@@ -3991,12 +4008,12 @@
       </p:grpSpPr>
       <p:grpSp>
         <p:nvGrpSpPr>
-          <p:cNvPr name="Group 2" id="2"/>
+          <p:cNvPr id="2" name="Group 2"/>
           <p:cNvGrpSpPr/>
           <p:nvPr/>
         </p:nvGrpSpPr>
         <p:grpSpPr>
-          <a:xfrm rot="0">
+          <a:xfrm>
             <a:off x="1028700" y="1650781"/>
             <a:ext cx="1185041" cy="127786"/>
             <a:chOff x="0" y="0"/>
@@ -4005,12 +4022,12 @@
         </p:grpSpPr>
         <p:sp>
           <p:nvSpPr>
-            <p:cNvPr name="Freeform 3" id="3"/>
+            <p:cNvPr id="3" name="Freeform 3"/>
             <p:cNvSpPr/>
             <p:nvPr/>
           </p:nvSpPr>
           <p:spPr>
-            <a:xfrm flipH="false" flipV="false" rot="0">
+            <a:xfrm>
               <a:off x="0" y="0"/>
               <a:ext cx="166260" cy="17928"/>
             </a:xfrm>
@@ -4019,9 +4036,9 @@
               <a:gdLst/>
               <a:ahLst/>
               <a:cxnLst/>
-              <a:rect r="r" b="b" t="t" l="l"/>
+              <a:rect l="l" t="t" r="r" b="b"/>
               <a:pathLst>
-                <a:path h="17928" w="166260">
+                <a:path w="166260" h="17928">
                   <a:moveTo>
                     <a:pt x="0" y="0"/>
                   </a:moveTo>
@@ -4045,8 +4062,8 @@
         </p:sp>
         <p:sp>
           <p:nvSpPr>
-            <p:cNvPr name="TextBox 4" id="4"/>
-            <p:cNvSpPr txBox="true"/>
+            <p:cNvPr id="4" name="TextBox 4"/>
+            <p:cNvSpPr txBox="1"/>
             <p:nvPr/>
           </p:nvSpPr>
           <p:spPr>
@@ -4059,7 +4076,7 @@
             </a:prstGeom>
           </p:spPr>
           <p:txBody>
-            <a:bodyPr anchor="ctr" rtlCol="false" tIns="50800" lIns="50800" bIns="50800" rIns="50800"/>
+            <a:bodyPr lIns="50800" tIns="50800" rIns="50800" bIns="50800" rtlCol="0" anchor="ctr"/>
             <a:lstStyle/>
             <a:p>
               <a:pPr algn="ctr">
@@ -4070,18 +4087,19 @@
                   <a:spcPct val="0"/>
                 </a:spcBef>
               </a:pPr>
+              <a:endParaRPr/>
             </a:p>
           </p:txBody>
         </p:sp>
       </p:grpSp>
       <p:grpSp>
         <p:nvGrpSpPr>
-          <p:cNvPr name="Group 5" id="5"/>
+          <p:cNvPr id="5" name="Group 5"/>
           <p:cNvGrpSpPr/>
           <p:nvPr/>
         </p:nvGrpSpPr>
         <p:grpSpPr>
-          <a:xfrm rot="0">
+          <a:xfrm>
             <a:off x="12292251" y="1623464"/>
             <a:ext cx="4967049" cy="155102"/>
             <a:chOff x="0" y="0"/>
@@ -4090,12 +4108,12 @@
         </p:grpSpPr>
         <p:sp>
           <p:nvSpPr>
-            <p:cNvPr name="Freeform 6" id="6"/>
+            <p:cNvPr id="6" name="Freeform 6"/>
             <p:cNvSpPr/>
             <p:nvPr/>
           </p:nvSpPr>
           <p:spPr>
-            <a:xfrm flipH="false" flipV="false" rot="0">
+            <a:xfrm>
               <a:off x="0" y="0"/>
               <a:ext cx="1308194" cy="40850"/>
             </a:xfrm>
@@ -4104,9 +4122,9 @@
               <a:gdLst/>
               <a:ahLst/>
               <a:cxnLst/>
-              <a:rect r="r" b="b" t="t" l="l"/>
+              <a:rect l="l" t="t" r="r" b="b"/>
               <a:pathLst>
-                <a:path h="40850" w="1308194">
+                <a:path w="1308194" h="40850">
                   <a:moveTo>
                     <a:pt x="0" y="0"/>
                   </a:moveTo>
@@ -4130,8 +4148,8 @@
         </p:sp>
         <p:sp>
           <p:nvSpPr>
-            <p:cNvPr name="TextBox 7" id="7"/>
-            <p:cNvSpPr txBox="true"/>
+            <p:cNvPr id="7" name="TextBox 7"/>
+            <p:cNvSpPr txBox="1"/>
             <p:nvPr/>
           </p:nvSpPr>
           <p:spPr>
@@ -4144,7 +4162,7 @@
             </a:prstGeom>
           </p:spPr>
           <p:txBody>
-            <a:bodyPr anchor="ctr" rtlCol="false" tIns="50800" lIns="50800" bIns="50800" rIns="50800"/>
+            <a:bodyPr lIns="50800" tIns="50800" rIns="50800" bIns="50800" rtlCol="0" anchor="ctr"/>
             <a:lstStyle/>
             <a:p>
               <a:pPr algn="ctr">
@@ -4155,18 +4173,19 @@
                   <a:spcPct val="0"/>
                 </a:spcBef>
               </a:pPr>
+              <a:endParaRPr/>
             </a:p>
           </p:txBody>
         </p:sp>
       </p:grpSp>
       <p:grpSp>
         <p:nvGrpSpPr>
-          <p:cNvPr name="Group 8" id="8"/>
+          <p:cNvPr id="8" name="Group 8"/>
           <p:cNvGrpSpPr/>
           <p:nvPr/>
         </p:nvGrpSpPr>
         <p:grpSpPr>
-          <a:xfrm rot="0">
+          <a:xfrm>
             <a:off x="518008" y="5057546"/>
             <a:ext cx="8473309" cy="1297834"/>
             <a:chOff x="0" y="0"/>
@@ -4175,12 +4194,12 @@
         </p:grpSpPr>
         <p:sp>
           <p:nvSpPr>
-            <p:cNvPr name="Freeform 9" id="9"/>
+            <p:cNvPr id="9" name="Freeform 9"/>
             <p:cNvSpPr/>
             <p:nvPr/>
           </p:nvSpPr>
           <p:spPr>
-            <a:xfrm flipH="false" flipV="false" rot="0">
+            <a:xfrm>
               <a:off x="0" y="0"/>
               <a:ext cx="2231654" cy="341816"/>
             </a:xfrm>
@@ -4189,9 +4208,9 @@
               <a:gdLst/>
               <a:ahLst/>
               <a:cxnLst/>
-              <a:rect r="r" b="b" t="t" l="l"/>
+              <a:rect l="l" t="t" r="r" b="b"/>
               <a:pathLst>
-                <a:path h="341816" w="2231654">
+                <a:path w="2231654" h="341816">
                   <a:moveTo>
                     <a:pt x="18274" y="0"/>
                   </a:moveTo>
@@ -4260,8 +4279,8 @@
         </p:sp>
         <p:sp>
           <p:nvSpPr>
-            <p:cNvPr name="TextBox 10" id="10"/>
-            <p:cNvSpPr txBox="true"/>
+            <p:cNvPr id="10" name="TextBox 10"/>
+            <p:cNvSpPr txBox="1"/>
             <p:nvPr/>
           </p:nvSpPr>
           <p:spPr>
@@ -4274,7 +4293,7 @@
             </a:prstGeom>
           </p:spPr>
           <p:txBody>
-            <a:bodyPr anchor="ctr" rtlCol="false" tIns="50800" lIns="50800" bIns="50800" rIns="50800"/>
+            <a:bodyPr lIns="50800" tIns="50800" rIns="50800" bIns="50800" rtlCol="0" anchor="ctr"/>
             <a:lstStyle/>
             <a:p>
               <a:pPr algn="ctr">
@@ -4282,18 +4301,19 @@
                   <a:spcPts val="3359"/>
                 </a:lnSpc>
               </a:pPr>
+              <a:endParaRPr/>
             </a:p>
           </p:txBody>
         </p:sp>
       </p:grpSp>
       <p:grpSp>
         <p:nvGrpSpPr>
-          <p:cNvPr name="Group 11" id="11"/>
+          <p:cNvPr id="11" name="Group 11"/>
           <p:cNvGrpSpPr/>
           <p:nvPr/>
         </p:nvGrpSpPr>
         <p:grpSpPr>
-          <a:xfrm rot="0">
+          <a:xfrm>
             <a:off x="3650647" y="7169287"/>
             <a:ext cx="10924064" cy="1297834"/>
             <a:chOff x="0" y="0"/>
@@ -4302,12 +4322,12 @@
         </p:grpSpPr>
         <p:sp>
           <p:nvSpPr>
-            <p:cNvPr name="Freeform 12" id="12"/>
+            <p:cNvPr id="12" name="Freeform 12"/>
             <p:cNvSpPr/>
             <p:nvPr/>
           </p:nvSpPr>
           <p:spPr>
-            <a:xfrm flipH="false" flipV="false" rot="0">
+            <a:xfrm>
               <a:off x="0" y="0"/>
               <a:ext cx="2877120" cy="341816"/>
             </a:xfrm>
@@ -4316,9 +4336,9 @@
               <a:gdLst/>
               <a:ahLst/>
               <a:cxnLst/>
-              <a:rect r="r" b="b" t="t" l="l"/>
+              <a:rect l="l" t="t" r="r" b="b"/>
               <a:pathLst>
-                <a:path h="341816" w="2877120">
+                <a:path w="2877120" h="341816">
                   <a:moveTo>
                     <a:pt x="14174" y="0"/>
                   </a:moveTo>
@@ -4387,8 +4407,8 @@
         </p:sp>
         <p:sp>
           <p:nvSpPr>
-            <p:cNvPr name="TextBox 13" id="13"/>
-            <p:cNvSpPr txBox="true"/>
+            <p:cNvPr id="13" name="TextBox 13"/>
+            <p:cNvSpPr txBox="1"/>
             <p:nvPr/>
           </p:nvSpPr>
           <p:spPr>
@@ -4401,7 +4421,7 @@
             </a:prstGeom>
           </p:spPr>
           <p:txBody>
-            <a:bodyPr anchor="ctr" rtlCol="false" tIns="50800" lIns="50800" bIns="50800" rIns="50800"/>
+            <a:bodyPr lIns="50800" tIns="50800" rIns="50800" bIns="50800" rtlCol="0" anchor="ctr"/>
             <a:lstStyle/>
             <a:p>
               <a:pPr algn="ctr">
@@ -4409,18 +4429,19 @@
                   <a:spcPts val="3359"/>
                 </a:lnSpc>
               </a:pPr>
+              <a:endParaRPr/>
             </a:p>
           </p:txBody>
         </p:sp>
       </p:grpSp>
       <p:sp>
         <p:nvSpPr>
-          <p:cNvPr name="TextBox 14" id="14"/>
-          <p:cNvSpPr txBox="true"/>
+          <p:cNvPr id="14" name="TextBox 14"/>
+          <p:cNvSpPr txBox="1"/>
           <p:nvPr/>
         </p:nvSpPr>
         <p:spPr>
-          <a:xfrm rot="0">
+          <a:xfrm>
             <a:off x="3856963" y="7270062"/>
             <a:ext cx="10525604" cy="1077234"/>
           </a:xfrm>
@@ -4429,7 +4450,7 @@
           </a:prstGeom>
         </p:spPr>
         <p:txBody>
-          <a:bodyPr anchor="t" rtlCol="false" tIns="0" lIns="0" bIns="0" rIns="0">
+          <a:bodyPr lIns="0" tIns="0" rIns="0" bIns="0" rtlCol="0" anchor="t">
             <a:spAutoFit/>
           </a:bodyPr>
           <a:lstStyle/>
@@ -4452,7 +4473,7 @@
               <a:t>Research shows that </a:t>
             </a:r>
             <a:r>
-              <a:rPr lang="en-US" b="true" sz="2264">
+              <a:rPr lang="en-US" sz="2264" b="1">
                 <a:solidFill>
                   <a:srgbClr val="2D262A"/>
                 </a:solidFill>
@@ -4476,7 +4497,7 @@
               <a:t> by exposing cancer cells to </a:t>
             </a:r>
             <a:r>
-              <a:rPr lang="en-US" b="true" sz="2264">
+              <a:rPr lang="en-US" sz="2264" b="1">
                 <a:solidFill>
                   <a:srgbClr val="2D262A"/>
                 </a:solidFill>
@@ -4500,7 +4521,7 @@
               <a:t>, disrupting the </a:t>
             </a:r>
             <a:r>
-              <a:rPr lang="en-US" b="true" sz="2264">
+              <a:rPr lang="en-US" sz="2264" b="1">
                 <a:solidFill>
                   <a:srgbClr val="2D262A"/>
                 </a:solidFill>
@@ -4528,12 +4549,12 @@
       </p:sp>
       <p:grpSp>
         <p:nvGrpSpPr>
-          <p:cNvPr name="Group 15" id="15"/>
+          <p:cNvPr id="15" name="Group 15"/>
           <p:cNvGrpSpPr/>
           <p:nvPr/>
         </p:nvGrpSpPr>
         <p:grpSpPr>
-          <a:xfrm rot="0">
+          <a:xfrm>
             <a:off x="9331559" y="5028971"/>
             <a:ext cx="8473309" cy="1297834"/>
             <a:chOff x="0" y="0"/>
@@ -4542,12 +4563,12 @@
         </p:grpSpPr>
         <p:sp>
           <p:nvSpPr>
-            <p:cNvPr name="Freeform 16" id="16"/>
+            <p:cNvPr id="16" name="Freeform 16"/>
             <p:cNvSpPr/>
             <p:nvPr/>
           </p:nvSpPr>
           <p:spPr>
-            <a:xfrm flipH="false" flipV="false" rot="0">
+            <a:xfrm>
               <a:off x="0" y="0"/>
               <a:ext cx="2231654" cy="341816"/>
             </a:xfrm>
@@ -4556,9 +4577,9 @@
               <a:gdLst/>
               <a:ahLst/>
               <a:cxnLst/>
-              <a:rect r="r" b="b" t="t" l="l"/>
+              <a:rect l="l" t="t" r="r" b="b"/>
               <a:pathLst>
-                <a:path h="341816" w="2231654">
+                <a:path w="2231654" h="341816">
                   <a:moveTo>
                     <a:pt x="18274" y="0"/>
                   </a:moveTo>
@@ -4627,8 +4648,8 @@
         </p:sp>
         <p:sp>
           <p:nvSpPr>
-            <p:cNvPr name="TextBox 17" id="17"/>
-            <p:cNvSpPr txBox="true"/>
+            <p:cNvPr id="17" name="TextBox 17"/>
+            <p:cNvSpPr txBox="1"/>
             <p:nvPr/>
           </p:nvSpPr>
           <p:spPr>
@@ -4641,7 +4662,7 @@
             </a:prstGeom>
           </p:spPr>
           <p:txBody>
-            <a:bodyPr anchor="ctr" rtlCol="false" tIns="50800" lIns="50800" bIns="50800" rIns="50800"/>
+            <a:bodyPr lIns="50800" tIns="50800" rIns="50800" bIns="50800" rtlCol="0" anchor="ctr"/>
             <a:lstStyle/>
             <a:p>
               <a:pPr algn="ctr">
@@ -4649,18 +4670,19 @@
                   <a:spcPts val="3359"/>
                 </a:lnSpc>
               </a:pPr>
+              <a:endParaRPr/>
             </a:p>
           </p:txBody>
         </p:sp>
       </p:grpSp>
       <p:sp>
         <p:nvSpPr>
-          <p:cNvPr name="TextBox 18" id="18"/>
-          <p:cNvSpPr txBox="true"/>
+          <p:cNvPr id="18" name="TextBox 18"/>
+          <p:cNvSpPr txBox="1"/>
           <p:nvPr/>
         </p:nvSpPr>
         <p:spPr>
-          <a:xfrm rot="0">
+          <a:xfrm>
             <a:off x="9567017" y="5073256"/>
             <a:ext cx="8085100" cy="1077234"/>
           </a:xfrm>
@@ -4669,7 +4691,7 @@
           </a:prstGeom>
         </p:spPr>
         <p:txBody>
-          <a:bodyPr anchor="t" rtlCol="false" tIns="0" lIns="0" bIns="0" rIns="0">
+          <a:bodyPr lIns="0" tIns="0" rIns="0" bIns="0" rtlCol="0" anchor="t">
             <a:spAutoFit/>
           </a:bodyPr>
           <a:lstStyle/>
@@ -4692,7 +4714,7 @@
               <a:t>Recognized as one of the most effective tumor treatment methods, microwave ablation offers</a:t>
             </a:r>
             <a:r>
-              <a:rPr lang="en-US" b="true" sz="2264">
+              <a:rPr lang="en-US" sz="2264" b="1">
                 <a:solidFill>
                   <a:srgbClr val="2D262A"/>
                 </a:solidFill>
@@ -4720,12 +4742,12 @@
       </p:sp>
       <p:sp>
         <p:nvSpPr>
-          <p:cNvPr name="TextBox 19" id="19"/>
-          <p:cNvSpPr txBox="true"/>
+          <p:cNvPr id="19" name="TextBox 19"/>
+          <p:cNvSpPr txBox="1"/>
           <p:nvPr/>
         </p:nvSpPr>
         <p:spPr>
-          <a:xfrm rot="0">
+          <a:xfrm>
             <a:off x="1026834" y="3007461"/>
             <a:ext cx="16230600" cy="759714"/>
           </a:xfrm>
@@ -4734,7 +4756,7 @@
           </a:prstGeom>
         </p:spPr>
         <p:txBody>
-          <a:bodyPr anchor="t" rtlCol="false" tIns="0" lIns="0" bIns="0" rIns="0">
+          <a:bodyPr lIns="0" tIns="0" rIns="0" bIns="0" rtlCol="0" anchor="t">
             <a:spAutoFit/>
           </a:bodyPr>
           <a:lstStyle/>
@@ -4757,7 +4779,7 @@
               <a:t>My project represents a </a:t>
             </a:r>
             <a:r>
-              <a:rPr lang="en-US" b="true" sz="2400">
+              <a:rPr lang="en-US" sz="2400" b="1">
                 <a:solidFill>
                   <a:srgbClr val="2D262A"/>
                 </a:solidFill>
@@ -4781,7 +4803,7 @@
               <a:t> drawn from </a:t>
             </a:r>
             <a:r>
-              <a:rPr lang="en-US" b="true" sz="2400">
+              <a:rPr lang="en-US" sz="2400" b="1">
                 <a:solidFill>
                   <a:srgbClr val="2D262A"/>
                 </a:solidFill>
@@ -4805,7 +4827,7 @@
               <a:t> and </a:t>
             </a:r>
             <a:r>
-              <a:rPr lang="en-US" b="true" sz="2400">
+              <a:rPr lang="en-US" sz="2400" b="1">
                 <a:solidFill>
                   <a:srgbClr val="2D262A"/>
                 </a:solidFill>
@@ -4833,12 +4855,12 @@
       </p:sp>
       <p:sp>
         <p:nvSpPr>
-          <p:cNvPr name="TextBox 20" id="20"/>
-          <p:cNvSpPr txBox="true"/>
+          <p:cNvPr id="20" name="TextBox 20"/>
+          <p:cNvSpPr txBox="1"/>
           <p:nvPr/>
         </p:nvSpPr>
         <p:spPr>
-          <a:xfrm rot="0">
+          <a:xfrm>
             <a:off x="6218971" y="6679793"/>
             <a:ext cx="5544693" cy="385496"/>
           </a:xfrm>
@@ -4847,7 +4869,7 @@
           </a:prstGeom>
         </p:spPr>
         <p:txBody>
-          <a:bodyPr anchor="t" rtlCol="false" tIns="0" lIns="0" bIns="0" rIns="0">
+          <a:bodyPr lIns="0" tIns="0" rIns="0" bIns="0" rtlCol="0" anchor="t">
             <a:spAutoFit/>
           </a:bodyPr>
           <a:lstStyle/>
@@ -4858,7 +4880,7 @@
               </a:lnSpc>
             </a:pPr>
             <a:r>
-              <a:rPr lang="en-US" b="true" sz="2264">
+              <a:rPr lang="en-US" sz="2264" b="1">
                 <a:solidFill>
                   <a:srgbClr val="1211CA"/>
                 </a:solidFill>
@@ -4874,12 +4896,12 @@
       </p:sp>
       <p:sp>
         <p:nvSpPr>
-          <p:cNvPr name="TextBox 21" id="21"/>
-          <p:cNvSpPr txBox="true"/>
+          <p:cNvPr id="21" name="TextBox 21"/>
+          <p:cNvSpPr txBox="1"/>
           <p:nvPr/>
         </p:nvSpPr>
         <p:spPr>
-          <a:xfrm rot="0">
+          <a:xfrm>
             <a:off x="11500867" y="4491075"/>
             <a:ext cx="4217401" cy="385496"/>
           </a:xfrm>
@@ -4888,7 +4910,7 @@
           </a:prstGeom>
         </p:spPr>
         <p:txBody>
-          <a:bodyPr anchor="t" rtlCol="false" tIns="0" lIns="0" bIns="0" rIns="0">
+          <a:bodyPr lIns="0" tIns="0" rIns="0" bIns="0" rtlCol="0" anchor="t">
             <a:spAutoFit/>
           </a:bodyPr>
           <a:lstStyle/>
@@ -4899,7 +4921,7 @@
               </a:lnSpc>
             </a:pPr>
             <a:r>
-              <a:rPr lang="en-US" b="true" sz="2264">
+              <a:rPr lang="en-US" sz="2264" b="1">
                 <a:solidFill>
                   <a:srgbClr val="1211CA"/>
                 </a:solidFill>
@@ -4915,12 +4937,12 @@
       </p:sp>
       <p:sp>
         <p:nvSpPr>
-          <p:cNvPr name="TextBox 22" id="22"/>
-          <p:cNvSpPr txBox="true"/>
+          <p:cNvPr id="22" name="TextBox 22"/>
+          <p:cNvSpPr txBox="1"/>
           <p:nvPr/>
         </p:nvSpPr>
         <p:spPr>
-          <a:xfrm rot="0">
+          <a:xfrm>
             <a:off x="12574208" y="874949"/>
             <a:ext cx="4685092" cy="622935"/>
           </a:xfrm>
@@ -4929,7 +4951,7 @@
           </a:prstGeom>
         </p:spPr>
         <p:txBody>
-          <a:bodyPr anchor="t" rtlCol="false" tIns="0" lIns="0" bIns="0" rIns="0">
+          <a:bodyPr lIns="0" tIns="0" rIns="0" bIns="0" rtlCol="0" anchor="t">
             <a:spAutoFit/>
           </a:bodyPr>
           <a:lstStyle/>
@@ -4940,7 +4962,7 @@
               </a:lnSpc>
             </a:pPr>
             <a:r>
-              <a:rPr lang="en-US" b="true" sz="3600">
+              <a:rPr lang="en-US" sz="3600" b="1">
                 <a:solidFill>
                   <a:srgbClr val="101010"/>
                 </a:solidFill>
@@ -4956,12 +4978,12 @@
       </p:sp>
       <p:sp>
         <p:nvSpPr>
-          <p:cNvPr name="TextBox 23" id="23"/>
-          <p:cNvSpPr txBox="true"/>
+          <p:cNvPr id="23" name="TextBox 23"/>
+          <p:cNvSpPr txBox="1"/>
           <p:nvPr/>
         </p:nvSpPr>
         <p:spPr>
-          <a:xfrm rot="0">
+          <a:xfrm>
             <a:off x="1341090" y="686528"/>
             <a:ext cx="872651" cy="780913"/>
           </a:xfrm>
@@ -4970,7 +4992,7 @@
           </a:prstGeom>
         </p:spPr>
         <p:txBody>
-          <a:bodyPr anchor="t" rtlCol="false" tIns="0" lIns="0" bIns="0" rIns="0">
+          <a:bodyPr lIns="0" tIns="0" rIns="0" bIns="0" rtlCol="0" anchor="t">
             <a:spAutoFit/>
           </a:bodyPr>
           <a:lstStyle/>
@@ -4981,7 +5003,7 @@
               </a:lnSpc>
             </a:pPr>
             <a:r>
-              <a:rPr lang="en-US" b="true" sz="4505">
+              <a:rPr lang="en-US" sz="4505" b="1">
                 <a:solidFill>
                   <a:srgbClr val="101010"/>
                 </a:solidFill>
@@ -4997,12 +5019,12 @@
       </p:sp>
       <p:sp>
         <p:nvSpPr>
-          <p:cNvPr name="TextBox 24" id="24"/>
-          <p:cNvSpPr txBox="true"/>
+          <p:cNvPr id="24" name="TextBox 24"/>
+          <p:cNvSpPr txBox="1"/>
           <p:nvPr/>
         </p:nvSpPr>
         <p:spPr>
-          <a:xfrm rot="0">
+          <a:xfrm>
             <a:off x="1026834" y="2344902"/>
             <a:ext cx="9401733" cy="529209"/>
           </a:xfrm>
@@ -5011,7 +5033,7 @@
           </a:prstGeom>
         </p:spPr>
         <p:txBody>
-          <a:bodyPr anchor="t" rtlCol="false" tIns="0" lIns="0" bIns="0" rIns="0">
+          <a:bodyPr lIns="0" tIns="0" rIns="0" bIns="0" rtlCol="0" anchor="t">
             <a:spAutoFit/>
           </a:bodyPr>
           <a:lstStyle/>
@@ -5022,7 +5044,7 @@
               </a:lnSpc>
             </a:pPr>
             <a:r>
-              <a:rPr lang="en-US" sz="4200" b="true">
+              <a:rPr lang="en-US" sz="4200" b="1">
                 <a:solidFill>
                   <a:srgbClr val="1211CA"/>
                 </a:solidFill>
@@ -5038,12 +5060,12 @@
       </p:sp>
       <p:sp>
         <p:nvSpPr>
-          <p:cNvPr name="TextBox 25" id="25"/>
-          <p:cNvSpPr txBox="true"/>
+          <p:cNvPr id="25" name="TextBox 25"/>
+          <p:cNvSpPr txBox="1"/>
           <p:nvPr/>
         </p:nvSpPr>
         <p:spPr>
-          <a:xfrm rot="0">
+          <a:xfrm>
             <a:off x="2628843" y="4491075"/>
             <a:ext cx="4217401" cy="385496"/>
           </a:xfrm>
@@ -5052,7 +5074,7 @@
           </a:prstGeom>
         </p:spPr>
         <p:txBody>
-          <a:bodyPr anchor="t" rtlCol="false" tIns="0" lIns="0" bIns="0" rIns="0">
+          <a:bodyPr lIns="0" tIns="0" rIns="0" bIns="0" rtlCol="0" anchor="t">
             <a:spAutoFit/>
           </a:bodyPr>
           <a:lstStyle/>
@@ -5063,7 +5085,7 @@
               </a:lnSpc>
             </a:pPr>
             <a:r>
-              <a:rPr lang="en-US" b="true" sz="2264">
+              <a:rPr lang="en-US" sz="2264" b="1">
                 <a:solidFill>
                   <a:srgbClr val="1211CA"/>
                 </a:solidFill>
@@ -5079,12 +5101,12 @@
       </p:sp>
       <p:sp>
         <p:nvSpPr>
-          <p:cNvPr name="TextBox 26" id="26"/>
-          <p:cNvSpPr txBox="true"/>
+          <p:cNvPr id="26" name="TextBox 26"/>
+          <p:cNvSpPr txBox="1"/>
           <p:nvPr/>
         </p:nvSpPr>
         <p:spPr>
-          <a:xfrm rot="0">
+          <a:xfrm>
             <a:off x="694993" y="5101759"/>
             <a:ext cx="8085100" cy="1077234"/>
           </a:xfrm>
@@ -5093,7 +5115,7 @@
           </a:prstGeom>
         </p:spPr>
         <p:txBody>
-          <a:bodyPr anchor="t" rtlCol="false" tIns="0" lIns="0" bIns="0" rIns="0">
+          <a:bodyPr lIns="0" tIns="0" rIns="0" bIns="0" rtlCol="0" anchor="t">
             <a:spAutoFit/>
           </a:bodyPr>
           <a:lstStyle/>
@@ -5116,7 +5138,7 @@
               <a:t>Radiofrequency ablation provides deeper tissue penetration </a:t>
             </a:r>
             <a:r>
-              <a:rPr lang="en-US" b="true" sz="2264">
+              <a:rPr lang="en-US" sz="2264" b="1">
                 <a:solidFill>
                   <a:srgbClr val="2D262A"/>
                 </a:solidFill>
@@ -5140,7 +5162,7 @@
               <a:t>, making it ideal for targeting tumors in </a:t>
             </a:r>
             <a:r>
-              <a:rPr lang="en-US" b="true" sz="2264">
+              <a:rPr lang="en-US" sz="2264" b="1">
                 <a:solidFill>
                   <a:srgbClr val="2D262A"/>
                 </a:solidFill>
@@ -5175,7 +5197,7 @@
 </file>
 
 <file path=ppt/slides/slide3.xml><?xml version="1.0" encoding="utf-8"?>
-<p:sld xmlns:p="http://schemas.openxmlformats.org/presentationml/2006/main" xmlns:a="http://schemas.openxmlformats.org/drawingml/2006/main" xmlns:r="http://schemas.openxmlformats.org/officeDocument/2006/relationships">
+<p:sld xmlns:a="http://schemas.openxmlformats.org/drawingml/2006/main" xmlns:r="http://schemas.openxmlformats.org/officeDocument/2006/relationships" xmlns:p="http://schemas.openxmlformats.org/presentationml/2006/main">
   <p:cSld>
     <p:spTree>
       <p:nvGrpSpPr>
@@ -5193,12 +5215,12 @@
       </p:grpSpPr>
       <p:grpSp>
         <p:nvGrpSpPr>
-          <p:cNvPr name="Group 2" id="2"/>
+          <p:cNvPr id="2" name="Group 2"/>
           <p:cNvGrpSpPr/>
           <p:nvPr/>
         </p:nvGrpSpPr>
         <p:grpSpPr>
-          <a:xfrm rot="0">
+          <a:xfrm>
             <a:off x="457496" y="3061002"/>
             <a:ext cx="17429153" cy="6456522"/>
             <a:chOff x="0" y="0"/>
@@ -5207,12 +5229,12 @@
         </p:grpSpPr>
         <p:sp>
           <p:nvSpPr>
-            <p:cNvPr name="Freeform 3" id="3"/>
+            <p:cNvPr id="3" name="Freeform 3"/>
             <p:cNvSpPr/>
             <p:nvPr/>
           </p:nvSpPr>
           <p:spPr>
-            <a:xfrm flipH="false" flipV="false" rot="0">
+            <a:xfrm>
               <a:off x="0" y="0"/>
               <a:ext cx="4590394" cy="1700483"/>
             </a:xfrm>
@@ -5221,9 +5243,9 @@
               <a:gdLst/>
               <a:ahLst/>
               <a:cxnLst/>
-              <a:rect r="r" b="b" t="t" l="l"/>
+              <a:rect l="l" t="t" r="r" b="b"/>
               <a:pathLst>
-                <a:path h="1700483" w="4590394">
+                <a:path w="4590394" h="1700483">
                   <a:moveTo>
                     <a:pt x="8884" y="0"/>
                   </a:moveTo>
@@ -5292,8 +5314,8 @@
         </p:sp>
         <p:sp>
           <p:nvSpPr>
-            <p:cNvPr name="TextBox 4" id="4"/>
-            <p:cNvSpPr txBox="true"/>
+            <p:cNvPr id="4" name="TextBox 4"/>
+            <p:cNvSpPr txBox="1"/>
             <p:nvPr/>
           </p:nvSpPr>
           <p:spPr>
@@ -5306,7 +5328,7 @@
             </a:prstGeom>
           </p:spPr>
           <p:txBody>
-            <a:bodyPr anchor="ctr" rtlCol="false" tIns="50800" lIns="50800" bIns="50800" rIns="50800"/>
+            <a:bodyPr lIns="50800" tIns="50800" rIns="50800" bIns="50800" rtlCol="0" anchor="ctr"/>
             <a:lstStyle/>
             <a:p>
               <a:pPr algn="ctr">
@@ -5314,18 +5336,19 @@
                   <a:spcPts val="3359"/>
                 </a:lnSpc>
               </a:pPr>
+              <a:endParaRPr/>
             </a:p>
           </p:txBody>
         </p:sp>
       </p:grpSp>
       <p:sp>
         <p:nvSpPr>
-          <p:cNvPr name="Freeform 5" id="5"/>
+          <p:cNvPr id="5" name="Freeform 5"/>
           <p:cNvSpPr/>
           <p:nvPr/>
         </p:nvSpPr>
         <p:spPr>
-          <a:xfrm flipH="false" flipV="false" rot="0">
+          <a:xfrm>
             <a:off x="3956527" y="2939577"/>
             <a:ext cx="10431091" cy="6556685"/>
           </a:xfrm>
@@ -5334,9 +5357,9 @@
             <a:gdLst/>
             <a:ahLst/>
             <a:cxnLst/>
-            <a:rect r="r" b="b" t="t" l="l"/>
+            <a:rect l="l" t="t" r="r" b="b"/>
             <a:pathLst>
-              <a:path h="6556685" w="10431091">
+              <a:path w="10431091" h="6556685">
                 <a:moveTo>
                   <a:pt x="0" y="0"/>
                 </a:moveTo>
@@ -5368,12 +5391,12 @@
       </p:sp>
       <p:sp>
         <p:nvSpPr>
-          <p:cNvPr name="TextBox 6" id="6"/>
-          <p:cNvSpPr txBox="true"/>
+          <p:cNvPr id="6" name="TextBox 6"/>
+          <p:cNvSpPr txBox="1"/>
           <p:nvPr/>
         </p:nvSpPr>
         <p:spPr>
-          <a:xfrm rot="0">
+          <a:xfrm>
             <a:off x="627805" y="3158490"/>
             <a:ext cx="17032390" cy="6099810"/>
           </a:xfrm>
@@ -5382,7 +5405,7 @@
           </a:prstGeom>
         </p:spPr>
         <p:txBody>
-          <a:bodyPr anchor="t" rtlCol="false" tIns="0" lIns="0" bIns="0" rIns="0">
+          <a:bodyPr lIns="0" tIns="0" rIns="0" bIns="0" rtlCol="0" anchor="t">
             <a:spAutoFit/>
           </a:bodyPr>
           <a:lstStyle/>
@@ -5405,7 +5428,7 @@
               <a:t>By integrating these three distinct concepts—</a:t>
             </a:r>
             <a:r>
-              <a:rPr lang="en-US" b="true" sz="2400" spc="24">
+              <a:rPr lang="en-US" sz="2400" b="1" spc="24">
                 <a:solidFill>
                   <a:srgbClr val="2D262A"/>
                 </a:solidFill>
@@ -5426,7 +5449,19 @@
                 <a:cs typeface="Montserrat Classic"/>
                 <a:sym typeface="Montserrat Classic"/>
               </a:rPr>
-              <a:t>—and applying a fundamental </a:t>
+              <a:t>—and applying a fundamental mathematical principle of </a:t>
+            </a:r>
+            <a:r>
+              <a:rPr lang="en-US" sz="2400" b="1" spc="24">
+                <a:solidFill>
+                  <a:srgbClr val="2D262A"/>
+                </a:solidFill>
+                <a:latin typeface="Montserrat Classic Bold"/>
+                <a:ea typeface="Montserrat Classic Bold"/>
+                <a:cs typeface="Montserrat Classic Bold"/>
+                <a:sym typeface="Montserrat Classic Bold"/>
+              </a:rPr>
+              <a:t>ellipsoids</a:t>
             </a:r>
             <a:r>
               <a:rPr lang="en-US" sz="2400" spc="24">
@@ -5438,175 +5473,7 @@
                 <a:cs typeface="Montserrat Classic"/>
                 <a:sym typeface="Montserrat Classic"/>
               </a:rPr>
-              <a:t>m</a:t>
-            </a:r>
-            <a:r>
-              <a:rPr lang="en-US" sz="2400" spc="24">
-                <a:solidFill>
-                  <a:srgbClr val="2D262A"/>
-                </a:solidFill>
-                <a:latin typeface="Montserrat Classic"/>
-                <a:ea typeface="Montserrat Classic"/>
-                <a:cs typeface="Montserrat Classic"/>
-                <a:sym typeface="Montserrat Classic"/>
-              </a:rPr>
-              <a:t>athemat</a:t>
-            </a:r>
-            <a:r>
-              <a:rPr lang="en-US" sz="2400" spc="24">
-                <a:solidFill>
-                  <a:srgbClr val="2D262A"/>
-                </a:solidFill>
-                <a:latin typeface="Montserrat Classic"/>
-                <a:ea typeface="Montserrat Classic"/>
-                <a:cs typeface="Montserrat Classic"/>
-                <a:sym typeface="Montserrat Classic"/>
-              </a:rPr>
-              <a:t>i</a:t>
-            </a:r>
-            <a:r>
-              <a:rPr lang="en-US" sz="2400" spc="24">
-                <a:solidFill>
-                  <a:srgbClr val="2D262A"/>
-                </a:solidFill>
-                <a:latin typeface="Montserrat Classic"/>
-                <a:ea typeface="Montserrat Classic"/>
-                <a:cs typeface="Montserrat Classic"/>
-                <a:sym typeface="Montserrat Classic"/>
-              </a:rPr>
-              <a:t>c</a:t>
-            </a:r>
-            <a:r>
-              <a:rPr lang="en-US" sz="2400" spc="24">
-                <a:solidFill>
-                  <a:srgbClr val="2D262A"/>
-                </a:solidFill>
-                <a:latin typeface="Montserrat Classic"/>
-                <a:ea typeface="Montserrat Classic"/>
-                <a:cs typeface="Montserrat Classic"/>
-                <a:sym typeface="Montserrat Classic"/>
-              </a:rPr>
-              <a:t>a</a:t>
-            </a:r>
-            <a:r>
-              <a:rPr lang="en-US" sz="2400" spc="24">
-                <a:solidFill>
-                  <a:srgbClr val="2D262A"/>
-                </a:solidFill>
-                <a:latin typeface="Montserrat Classic"/>
-                <a:ea typeface="Montserrat Classic"/>
-                <a:cs typeface="Montserrat Classic"/>
-                <a:sym typeface="Montserrat Classic"/>
-              </a:rPr>
-              <a:t>l pr</a:t>
-            </a:r>
-            <a:r>
-              <a:rPr lang="en-US" sz="2400" spc="24">
-                <a:solidFill>
-                  <a:srgbClr val="2D262A"/>
-                </a:solidFill>
-                <a:latin typeface="Montserrat Classic"/>
-                <a:ea typeface="Montserrat Classic"/>
-                <a:cs typeface="Montserrat Classic"/>
-                <a:sym typeface="Montserrat Classic"/>
-              </a:rPr>
-              <a:t>in</a:t>
-            </a:r>
-            <a:r>
-              <a:rPr lang="en-US" sz="2400" spc="24">
-                <a:solidFill>
-                  <a:srgbClr val="2D262A"/>
-                </a:solidFill>
-                <a:latin typeface="Montserrat Classic"/>
-                <a:ea typeface="Montserrat Classic"/>
-                <a:cs typeface="Montserrat Classic"/>
-                <a:sym typeface="Montserrat Classic"/>
-              </a:rPr>
-              <a:t>ciple</a:t>
-            </a:r>
-            <a:r>
-              <a:rPr lang="en-US" sz="2400" spc="24">
-                <a:solidFill>
-                  <a:srgbClr val="2D262A"/>
-                </a:solidFill>
-                <a:latin typeface="Montserrat Classic"/>
-                <a:ea typeface="Montserrat Classic"/>
-                <a:cs typeface="Montserrat Classic"/>
-                <a:sym typeface="Montserrat Classic"/>
-              </a:rPr>
-              <a:t> of </a:t>
-            </a:r>
-            <a:r>
-              <a:rPr lang="en-US" b="true" sz="2400" spc="24">
-                <a:solidFill>
-                  <a:srgbClr val="2D262A"/>
-                </a:solidFill>
-                <a:latin typeface="Montserrat Classic Bold"/>
-                <a:ea typeface="Montserrat Classic Bold"/>
-                <a:cs typeface="Montserrat Classic Bold"/>
-                <a:sym typeface="Montserrat Classic Bold"/>
-              </a:rPr>
-              <a:t>ellipsoids</a:t>
-            </a:r>
-            <a:r>
-              <a:rPr lang="en-US" sz="2400" spc="24">
-                <a:solidFill>
-                  <a:srgbClr val="2D262A"/>
-                </a:solidFill>
-                <a:latin typeface="Montserrat Classic"/>
-                <a:ea typeface="Montserrat Classic"/>
-                <a:cs typeface="Montserrat Classic"/>
-                <a:sym typeface="Montserrat Classic"/>
-              </a:rPr>
-              <a:t>, I have developed an innovative a</a:t>
-            </a:r>
-            <a:r>
-              <a:rPr lang="en-US" sz="2400" spc="24">
-                <a:solidFill>
-                  <a:srgbClr val="2D262A"/>
-                </a:solidFill>
-                <a:latin typeface="Montserrat Classic"/>
-                <a:ea typeface="Montserrat Classic"/>
-                <a:cs typeface="Montserrat Classic"/>
-                <a:sym typeface="Montserrat Classic"/>
-              </a:rPr>
-              <a:t>n</a:t>
-            </a:r>
-            <a:r>
-              <a:rPr lang="en-US" sz="2400" spc="24">
-                <a:solidFill>
-                  <a:srgbClr val="2D262A"/>
-                </a:solidFill>
-                <a:latin typeface="Montserrat Classic"/>
-                <a:ea typeface="Montserrat Classic"/>
-                <a:cs typeface="Montserrat Classic"/>
-                <a:sym typeface="Montserrat Classic"/>
-              </a:rPr>
-              <a:t>tenna-reflector </a:t>
-            </a:r>
-            <a:r>
-              <a:rPr lang="en-US" sz="2400" spc="24">
-                <a:solidFill>
-                  <a:srgbClr val="2D262A"/>
-                </a:solidFill>
-                <a:latin typeface="Montserrat Classic"/>
-                <a:ea typeface="Montserrat Classic"/>
-                <a:cs typeface="Montserrat Classic"/>
-                <a:sym typeface="Montserrat Classic"/>
-              </a:rPr>
-              <a:t>s</a:t>
-            </a:r>
-            <a:r>
-              <a:rPr lang="en-US" sz="2400" spc="24">
-                <a:solidFill>
-                  <a:srgbClr val="2D262A"/>
-                </a:solidFill>
-                <a:latin typeface="Montserrat Classic"/>
-                <a:ea typeface="Montserrat Classic"/>
-                <a:cs typeface="Montserrat Classic"/>
-                <a:sym typeface="Montserrat Classic"/>
-              </a:rPr>
-              <a:t>ystem:</a:t>
+              <a:t>, I have developed an innovative antenna-reflector system:</a:t>
             </a:r>
           </a:p>
           <a:p>
@@ -5615,9 +5482,18 @@
                 <a:spcPts val="3000"/>
               </a:lnSpc>
             </a:pPr>
-          </a:p>
-          <a:p>
-            <a:pPr algn="just" marL="518160" indent="-259080" lvl="1">
+            <a:endParaRPr lang="en-US" sz="2400" spc="24">
+              <a:solidFill>
+                <a:srgbClr val="2D262A"/>
+              </a:solidFill>
+              <a:latin typeface="Montserrat Classic"/>
+              <a:ea typeface="Montserrat Classic"/>
+              <a:cs typeface="Montserrat Classic"/>
+              <a:sym typeface="Montserrat Classic"/>
+            </a:endParaRPr>
+          </a:p>
+          <a:p>
+            <a:pPr marL="518160" lvl="1" indent="-259080" algn="just">
               <a:lnSpc>
                 <a:spcPts val="3000"/>
               </a:lnSpc>
@@ -5637,7 +5513,7 @@
               <a:t>The elliptical reflector exploits the unique geometrical property of ellipsoids, where all waves originating from </a:t>
             </a:r>
             <a:r>
-              <a:rPr lang="en-US" b="true" sz="2400" spc="24">
+              <a:rPr lang="en-US" sz="2400" b="1" spc="24">
                 <a:solidFill>
                   <a:srgbClr val="2D262A"/>
                 </a:solidFill>
@@ -5661,7 +5537,7 @@
               <a:t> naturally </a:t>
             </a:r>
             <a:r>
-              <a:rPr lang="en-US" b="true" sz="2400" spc="24">
+              <a:rPr lang="en-US" sz="2400" b="1" spc="24">
                 <a:solidFill>
                   <a:srgbClr val="2D262A"/>
                 </a:solidFill>
@@ -5685,7 +5561,7 @@
               <a:t> at the </a:t>
             </a:r>
             <a:r>
-              <a:rPr lang="en-US" b="true" sz="2400" spc="24">
+              <a:rPr lang="en-US" sz="2400" b="1" spc="24">
                 <a:solidFill>
                   <a:srgbClr val="2D262A"/>
                 </a:solidFill>
@@ -5715,9 +5591,18 @@
                 <a:spcPts val="3000"/>
               </a:lnSpc>
             </a:pPr>
-          </a:p>
-          <a:p>
-            <a:pPr algn="just" marL="518160" indent="-259080" lvl="1">
+            <a:endParaRPr lang="en-US" sz="2400" spc="24">
+              <a:solidFill>
+                <a:srgbClr val="2D262A"/>
+              </a:solidFill>
+              <a:latin typeface="Montserrat Classic"/>
+              <a:ea typeface="Montserrat Classic"/>
+              <a:cs typeface="Montserrat Classic"/>
+              <a:sym typeface="Montserrat Classic"/>
+            </a:endParaRPr>
+          </a:p>
+          <a:p>
+            <a:pPr marL="518160" lvl="1" indent="-259080" algn="just">
               <a:lnSpc>
                 <a:spcPts val="3000"/>
               </a:lnSpc>
@@ -5737,7 +5622,7 @@
               <a:t>The use of </a:t>
             </a:r>
             <a:r>
-              <a:rPr lang="en-US" b="true" sz="2400" spc="24">
+              <a:rPr lang="en-US" sz="2400" b="1" spc="24">
                 <a:solidFill>
                   <a:srgbClr val="2D262A"/>
                 </a:solidFill>
@@ -5761,7 +5646,7 @@
               <a:t>, as the rotating electric field interacts with tumor cells at</a:t>
             </a:r>
             <a:r>
-              <a:rPr lang="en-US" b="true" sz="2400" spc="24">
+              <a:rPr lang="en-US" sz="2400" b="1" spc="24">
                 <a:solidFill>
                   <a:srgbClr val="2D262A"/>
                 </a:solidFill>
@@ -5791,9 +5676,18 @@
                 <a:spcPts val="3000"/>
               </a:lnSpc>
             </a:pPr>
-          </a:p>
-          <a:p>
-            <a:pPr algn="just" marL="518160" indent="-259080" lvl="1">
+            <a:endParaRPr lang="en-US" sz="2400" spc="24">
+              <a:solidFill>
+                <a:srgbClr val="2D262A"/>
+              </a:solidFill>
+              <a:latin typeface="Montserrat Classic"/>
+              <a:ea typeface="Montserrat Classic"/>
+              <a:cs typeface="Montserrat Classic"/>
+              <a:sym typeface="Montserrat Classic"/>
+            </a:endParaRPr>
+          </a:p>
+          <a:p>
+            <a:pPr marL="518160" lvl="1" indent="-259080" algn="just">
               <a:lnSpc>
                 <a:spcPts val="3000"/>
               </a:lnSpc>
@@ -5813,7 +5707,7 @@
               <a:t>Leveraging a </a:t>
             </a:r>
             <a:r>
-              <a:rPr lang="en-US" b="true" sz="2400" spc="24">
+              <a:rPr lang="en-US" sz="2400" b="1" spc="24">
                 <a:solidFill>
                   <a:srgbClr val="2D262A"/>
                 </a:solidFill>
@@ -5837,7 +5731,7 @@
               <a:t>, the system utilizes</a:t>
             </a:r>
             <a:r>
-              <a:rPr lang="en-US" b="true" sz="2400" spc="24">
+              <a:rPr lang="en-US" sz="2400" b="1" spc="24">
                 <a:solidFill>
                   <a:srgbClr val="2D262A"/>
                 </a:solidFill>
@@ -5867,9 +5761,18 @@
                 <a:spcPts val="3000"/>
               </a:lnSpc>
             </a:pPr>
-          </a:p>
-          <a:p>
-            <a:pPr algn="just" marL="518160" indent="-259080" lvl="1">
+            <a:endParaRPr lang="en-US" sz="2400" spc="24">
+              <a:solidFill>
+                <a:srgbClr val="2D262A"/>
+              </a:solidFill>
+              <a:latin typeface="Montserrat Classic"/>
+              <a:ea typeface="Montserrat Classic"/>
+              <a:cs typeface="Montserrat Classic"/>
+              <a:sym typeface="Montserrat Classic"/>
+            </a:endParaRPr>
+          </a:p>
+          <a:p>
+            <a:pPr marL="518160" lvl="1" indent="-259080" algn="just">
               <a:lnSpc>
                 <a:spcPts val="3000"/>
               </a:lnSpc>
@@ -5889,7 +5792,7 @@
               <a:t>Each </a:t>
             </a:r>
             <a:r>
-              <a:rPr lang="en-US" b="true" sz="2400" spc="24">
+              <a:rPr lang="en-US" sz="2400" b="1" spc="24">
                 <a:solidFill>
                   <a:srgbClr val="2D262A"/>
                 </a:solidFill>
@@ -5913,7 +5816,7 @@
               <a:t>of the ellipse forms a </a:t>
             </a:r>
             <a:r>
-              <a:rPr lang="en-US" b="true" sz="2400" spc="24">
+              <a:rPr lang="en-US" sz="2400" b="1" spc="24">
                 <a:solidFill>
                   <a:srgbClr val="2D262A"/>
                 </a:solidFill>
@@ -5937,7 +5840,7 @@
               <a:t>, allowing electromagnetic waves to travel independently. This unique property ensures </a:t>
             </a:r>
             <a:r>
-              <a:rPr lang="en-US" b="true" sz="2400" spc="24">
+              <a:rPr lang="en-US" sz="2400" b="1" spc="24">
                 <a:solidFill>
                   <a:srgbClr val="2D262A"/>
                 </a:solidFill>
@@ -5965,12 +5868,12 @@
       </p:sp>
       <p:grpSp>
         <p:nvGrpSpPr>
-          <p:cNvPr name="Group 7" id="7"/>
+          <p:cNvPr id="7" name="Group 7"/>
           <p:cNvGrpSpPr/>
           <p:nvPr/>
         </p:nvGrpSpPr>
         <p:grpSpPr>
-          <a:xfrm rot="0">
+          <a:xfrm>
             <a:off x="1028700" y="1650781"/>
             <a:ext cx="1185041" cy="127786"/>
             <a:chOff x="0" y="0"/>
@@ -5979,12 +5882,12 @@
         </p:grpSpPr>
         <p:sp>
           <p:nvSpPr>
-            <p:cNvPr name="Freeform 8" id="8"/>
+            <p:cNvPr id="8" name="Freeform 8"/>
             <p:cNvSpPr/>
             <p:nvPr/>
           </p:nvSpPr>
           <p:spPr>
-            <a:xfrm flipH="false" flipV="false" rot="0">
+            <a:xfrm>
               <a:off x="0" y="0"/>
               <a:ext cx="166260" cy="17928"/>
             </a:xfrm>
@@ -5993,9 +5896,9 @@
               <a:gdLst/>
               <a:ahLst/>
               <a:cxnLst/>
-              <a:rect r="r" b="b" t="t" l="l"/>
+              <a:rect l="l" t="t" r="r" b="b"/>
               <a:pathLst>
-                <a:path h="17928" w="166260">
+                <a:path w="166260" h="17928">
                   <a:moveTo>
                     <a:pt x="0" y="0"/>
                   </a:moveTo>
@@ -6019,8 +5922,8 @@
         </p:sp>
         <p:sp>
           <p:nvSpPr>
-            <p:cNvPr name="TextBox 9" id="9"/>
-            <p:cNvSpPr txBox="true"/>
+            <p:cNvPr id="9" name="TextBox 9"/>
+            <p:cNvSpPr txBox="1"/>
             <p:nvPr/>
           </p:nvSpPr>
           <p:spPr>
@@ -6033,7 +5936,7 @@
             </a:prstGeom>
           </p:spPr>
           <p:txBody>
-            <a:bodyPr anchor="ctr" rtlCol="false" tIns="50800" lIns="50800" bIns="50800" rIns="50800"/>
+            <a:bodyPr lIns="50800" tIns="50800" rIns="50800" bIns="50800" rtlCol="0" anchor="ctr"/>
             <a:lstStyle/>
             <a:p>
               <a:pPr algn="ctr">
@@ -6044,18 +5947,19 @@
                   <a:spcPct val="0"/>
                 </a:spcBef>
               </a:pPr>
+              <a:endParaRPr/>
             </a:p>
           </p:txBody>
         </p:sp>
       </p:grpSp>
       <p:grpSp>
         <p:nvGrpSpPr>
-          <p:cNvPr name="Group 10" id="10"/>
+          <p:cNvPr id="10" name="Group 10"/>
           <p:cNvGrpSpPr/>
           <p:nvPr/>
         </p:nvGrpSpPr>
         <p:grpSpPr>
-          <a:xfrm rot="0">
+          <a:xfrm>
             <a:off x="12292251" y="1623464"/>
             <a:ext cx="4967049" cy="155102"/>
             <a:chOff x="0" y="0"/>
@@ -6064,12 +5968,12 @@
         </p:grpSpPr>
         <p:sp>
           <p:nvSpPr>
-            <p:cNvPr name="Freeform 11" id="11"/>
+            <p:cNvPr id="11" name="Freeform 11"/>
             <p:cNvSpPr/>
             <p:nvPr/>
           </p:nvSpPr>
           <p:spPr>
-            <a:xfrm flipH="false" flipV="false" rot="0">
+            <a:xfrm>
               <a:off x="0" y="0"/>
               <a:ext cx="1308194" cy="40850"/>
             </a:xfrm>
@@ -6078,9 +5982,9 @@
               <a:gdLst/>
               <a:ahLst/>
               <a:cxnLst/>
-              <a:rect r="r" b="b" t="t" l="l"/>
+              <a:rect l="l" t="t" r="r" b="b"/>
               <a:pathLst>
-                <a:path h="40850" w="1308194">
+                <a:path w="1308194" h="40850">
                   <a:moveTo>
                     <a:pt x="0" y="0"/>
                   </a:moveTo>
@@ -6104,8 +6008,8 @@
         </p:sp>
         <p:sp>
           <p:nvSpPr>
-            <p:cNvPr name="TextBox 12" id="12"/>
-            <p:cNvSpPr txBox="true"/>
+            <p:cNvPr id="12" name="TextBox 12"/>
+            <p:cNvSpPr txBox="1"/>
             <p:nvPr/>
           </p:nvSpPr>
           <p:spPr>
@@ -6118,7 +6022,7 @@
             </a:prstGeom>
           </p:spPr>
           <p:txBody>
-            <a:bodyPr anchor="ctr" rtlCol="false" tIns="50800" lIns="50800" bIns="50800" rIns="50800"/>
+            <a:bodyPr lIns="50800" tIns="50800" rIns="50800" bIns="50800" rtlCol="0" anchor="ctr"/>
             <a:lstStyle/>
             <a:p>
               <a:pPr algn="ctr">
@@ -6129,18 +6033,19 @@
                   <a:spcPct val="0"/>
                 </a:spcBef>
               </a:pPr>
+              <a:endParaRPr/>
             </a:p>
           </p:txBody>
         </p:sp>
       </p:grpSp>
       <p:sp>
         <p:nvSpPr>
-          <p:cNvPr name="TextBox 13" id="13"/>
-          <p:cNvSpPr txBox="true"/>
+          <p:cNvPr id="13" name="TextBox 13"/>
+          <p:cNvSpPr txBox="1"/>
           <p:nvPr/>
         </p:nvSpPr>
         <p:spPr>
-          <a:xfrm rot="0">
+          <a:xfrm>
             <a:off x="12574208" y="874949"/>
             <a:ext cx="4685092" cy="622935"/>
           </a:xfrm>
@@ -6149,7 +6054,7 @@
           </a:prstGeom>
         </p:spPr>
         <p:txBody>
-          <a:bodyPr anchor="t" rtlCol="false" tIns="0" lIns="0" bIns="0" rIns="0">
+          <a:bodyPr lIns="0" tIns="0" rIns="0" bIns="0" rtlCol="0" anchor="t">
             <a:spAutoFit/>
           </a:bodyPr>
           <a:lstStyle/>
@@ -6160,7 +6065,7 @@
               </a:lnSpc>
             </a:pPr>
             <a:r>
-              <a:rPr lang="en-US" b="true" sz="3600">
+              <a:rPr lang="en-US" sz="3600" b="1">
                 <a:solidFill>
                   <a:srgbClr val="101010"/>
                 </a:solidFill>
@@ -6176,12 +6081,12 @@
       </p:sp>
       <p:sp>
         <p:nvSpPr>
-          <p:cNvPr name="TextBox 14" id="14"/>
-          <p:cNvSpPr txBox="true"/>
+          <p:cNvPr id="14" name="TextBox 14"/>
+          <p:cNvSpPr txBox="1"/>
           <p:nvPr/>
         </p:nvSpPr>
         <p:spPr>
-          <a:xfrm rot="0">
+          <a:xfrm>
             <a:off x="1341090" y="686528"/>
             <a:ext cx="872651" cy="780913"/>
           </a:xfrm>
@@ -6190,7 +6095,7 @@
           </a:prstGeom>
         </p:spPr>
         <p:txBody>
-          <a:bodyPr anchor="t" rtlCol="false" tIns="0" lIns="0" bIns="0" rIns="0">
+          <a:bodyPr lIns="0" tIns="0" rIns="0" bIns="0" rtlCol="0" anchor="t">
             <a:spAutoFit/>
           </a:bodyPr>
           <a:lstStyle/>
@@ -6201,7 +6106,7 @@
               </a:lnSpc>
             </a:pPr>
             <a:r>
-              <a:rPr lang="en-US" b="true" sz="4505">
+              <a:rPr lang="en-US" sz="4505" b="1">
                 <a:solidFill>
                   <a:srgbClr val="101010"/>
                 </a:solidFill>
@@ -6217,12 +6122,12 @@
       </p:sp>
       <p:sp>
         <p:nvSpPr>
-          <p:cNvPr name="TextBox 15" id="15"/>
-          <p:cNvSpPr txBox="true"/>
+          <p:cNvPr id="15" name="TextBox 15"/>
+          <p:cNvSpPr txBox="1"/>
           <p:nvPr/>
         </p:nvSpPr>
         <p:spPr>
-          <a:xfrm rot="0">
+          <a:xfrm>
             <a:off x="1028700" y="2207943"/>
             <a:ext cx="9401733" cy="529209"/>
           </a:xfrm>
@@ -6231,7 +6136,7 @@
           </a:prstGeom>
         </p:spPr>
         <p:txBody>
-          <a:bodyPr anchor="t" rtlCol="false" tIns="0" lIns="0" bIns="0" rIns="0">
+          <a:bodyPr lIns="0" tIns="0" rIns="0" bIns="0" rtlCol="0" anchor="t">
             <a:spAutoFit/>
           </a:bodyPr>
           <a:lstStyle/>
@@ -6242,7 +6147,7 @@
               </a:lnSpc>
             </a:pPr>
             <a:r>
-              <a:rPr lang="en-US" sz="4200" b="true">
+              <a:rPr lang="en-US" sz="4200" b="1">
                 <a:solidFill>
                   <a:srgbClr val="1211CA"/>
                 </a:solidFill>
@@ -6265,7 +6170,7 @@
 </file>
 
 <file path=ppt/slides/slide4.xml><?xml version="1.0" encoding="utf-8"?>
-<p:sld xmlns:p="http://schemas.openxmlformats.org/presentationml/2006/main" xmlns:a="http://schemas.openxmlformats.org/drawingml/2006/main" xmlns:r="http://schemas.openxmlformats.org/officeDocument/2006/relationships">
+<p:sld xmlns:a="http://schemas.openxmlformats.org/drawingml/2006/main" xmlns:r="http://schemas.openxmlformats.org/officeDocument/2006/relationships" xmlns:p="http://schemas.openxmlformats.org/presentationml/2006/main">
   <p:cSld>
     <p:spTree>
       <p:nvGrpSpPr>
@@ -6283,12 +6188,12 @@
       </p:grpSpPr>
       <p:sp>
         <p:nvSpPr>
-          <p:cNvPr name="Freeform 2" id="2"/>
+          <p:cNvPr id="2" name="Freeform 2"/>
           <p:cNvSpPr/>
           <p:nvPr/>
         </p:nvSpPr>
         <p:spPr>
-          <a:xfrm flipH="false" flipV="false" rot="0">
+          <a:xfrm>
             <a:off x="5745187" y="2942072"/>
             <a:ext cx="6797626" cy="6236822"/>
           </a:xfrm>
@@ -6297,9 +6202,9 @@
             <a:gdLst/>
             <a:ahLst/>
             <a:cxnLst/>
-            <a:rect r="r" b="b" t="t" l="l"/>
+            <a:rect l="l" t="t" r="r" b="b"/>
             <a:pathLst>
-              <a:path h="6236822" w="6797626">
+              <a:path w="6797626" h="6236822">
                 <a:moveTo>
                   <a:pt x="0" y="0"/>
                 </a:moveTo>
@@ -6322,7 +6227,7 @@
           <a:blipFill>
             <a:blip r:embed="rId2"/>
             <a:stretch>
-              <a:fillRect l="0" t="0" r="0" b="0"/>
+              <a:fillRect/>
             </a:stretch>
           </a:blipFill>
           <a:ln w="95250" cap="sq">
@@ -6336,12 +6241,12 @@
       </p:sp>
       <p:sp>
         <p:nvSpPr>
-          <p:cNvPr name="TextBox 3" id="3"/>
-          <p:cNvSpPr txBox="true"/>
+          <p:cNvPr id="3" name="TextBox 3"/>
+          <p:cNvSpPr txBox="1"/>
           <p:nvPr/>
         </p:nvSpPr>
         <p:spPr>
-          <a:xfrm rot="0">
+          <a:xfrm>
             <a:off x="5919525" y="1171575"/>
             <a:ext cx="6448950" cy="708787"/>
           </a:xfrm>
@@ -6350,7 +6255,7 @@
           </a:prstGeom>
         </p:spPr>
         <p:txBody>
-          <a:bodyPr anchor="t" rtlCol="false" tIns="0" lIns="0" bIns="0" rIns="0">
+          <a:bodyPr lIns="0" tIns="0" rIns="0" bIns="0" rtlCol="0" anchor="t">
             <a:spAutoFit/>
           </a:bodyPr>
           <a:lstStyle/>
@@ -6361,7 +6266,7 @@
               </a:lnSpc>
             </a:pPr>
             <a:r>
-              <a:rPr lang="en-US" b="true" sz="5600">
+              <a:rPr lang="en-US" sz="5600" b="1">
                 <a:solidFill>
                   <a:srgbClr val="1211CA"/>
                 </a:solidFill>
@@ -6377,12 +6282,12 @@
       </p:sp>
       <p:sp>
         <p:nvSpPr>
-          <p:cNvPr name="TextBox 4" id="4"/>
-          <p:cNvSpPr txBox="true"/>
+          <p:cNvPr id="4" name="TextBox 4"/>
+          <p:cNvSpPr txBox="1"/>
           <p:nvPr/>
         </p:nvSpPr>
         <p:spPr>
-          <a:xfrm rot="0">
+          <a:xfrm>
             <a:off x="5919525" y="1805559"/>
             <a:ext cx="6448950" cy="708787"/>
           </a:xfrm>
@@ -6391,7 +6296,7 @@
           </a:prstGeom>
         </p:spPr>
         <p:txBody>
-          <a:bodyPr anchor="t" rtlCol="false" tIns="0" lIns="0" bIns="0" rIns="0">
+          <a:bodyPr lIns="0" tIns="0" rIns="0" bIns="0" rtlCol="0" anchor="t">
             <a:spAutoFit/>
           </a:bodyPr>
           <a:lstStyle/>
@@ -6402,7 +6307,7 @@
               </a:lnSpc>
             </a:pPr>
             <a:r>
-              <a:rPr lang="en-US" b="true" sz="5600">
+              <a:rPr lang="en-US" sz="5600" b="1">
                 <a:solidFill>
                   <a:srgbClr val="F9B314"/>
                 </a:solidFill>
@@ -6418,12 +6323,12 @@
       </p:sp>
       <p:sp>
         <p:nvSpPr>
-          <p:cNvPr name="TextBox 5" id="5"/>
-          <p:cNvSpPr txBox="true"/>
+          <p:cNvPr id="5" name="TextBox 5"/>
+          <p:cNvSpPr txBox="1"/>
           <p:nvPr/>
         </p:nvSpPr>
         <p:spPr>
-          <a:xfrm rot="0">
+          <a:xfrm>
             <a:off x="7184298" y="9374563"/>
             <a:ext cx="3919404" cy="405765"/>
           </a:xfrm>
@@ -6432,7 +6337,7 @@
           </a:prstGeom>
         </p:spPr>
         <p:txBody>
-          <a:bodyPr anchor="t" rtlCol="false" tIns="0" lIns="0" bIns="0" rIns="0">
+          <a:bodyPr lIns="0" tIns="0" rIns="0" bIns="0" rtlCol="0" anchor="t">
             <a:spAutoFit/>
           </a:bodyPr>
           <a:lstStyle/>
@@ -6443,7 +6348,7 @@
               </a:lnSpc>
             </a:pPr>
             <a:r>
-              <a:rPr lang="en-US" b="true" sz="2400">
+              <a:rPr lang="en-US" sz="2400" b="1">
                 <a:solidFill>
                   <a:srgbClr val="1211CA"/>
                 </a:solidFill>
@@ -6466,7 +6371,7 @@
 </file>
 
 <file path=ppt/slides/slide5.xml><?xml version="1.0" encoding="utf-8"?>
-<p:sld xmlns:p="http://schemas.openxmlformats.org/presentationml/2006/main" xmlns:a="http://schemas.openxmlformats.org/drawingml/2006/main" xmlns:r="http://schemas.openxmlformats.org/officeDocument/2006/relationships">
+<p:sld xmlns:a="http://schemas.openxmlformats.org/drawingml/2006/main" xmlns:r="http://schemas.openxmlformats.org/officeDocument/2006/relationships" xmlns:p="http://schemas.openxmlformats.org/presentationml/2006/main">
   <p:cSld>
     <p:spTree>
       <p:nvGrpSpPr>
@@ -6484,12 +6389,12 @@
       </p:grpSpPr>
       <p:grpSp>
         <p:nvGrpSpPr>
-          <p:cNvPr name="Group 2" id="2"/>
+          <p:cNvPr id="2" name="Group 2"/>
           <p:cNvGrpSpPr/>
           <p:nvPr/>
         </p:nvGrpSpPr>
         <p:grpSpPr>
-          <a:xfrm rot="0">
+          <a:xfrm>
             <a:off x="1028700" y="1650781"/>
             <a:ext cx="1185041" cy="127786"/>
             <a:chOff x="0" y="0"/>
@@ -6498,12 +6403,12 @@
         </p:grpSpPr>
         <p:sp>
           <p:nvSpPr>
-            <p:cNvPr name="Freeform 3" id="3"/>
+            <p:cNvPr id="3" name="Freeform 3"/>
             <p:cNvSpPr/>
             <p:nvPr/>
           </p:nvSpPr>
           <p:spPr>
-            <a:xfrm flipH="false" flipV="false" rot="0">
+            <a:xfrm>
               <a:off x="0" y="0"/>
               <a:ext cx="166260" cy="17928"/>
             </a:xfrm>
@@ -6512,9 +6417,9 @@
               <a:gdLst/>
               <a:ahLst/>
               <a:cxnLst/>
-              <a:rect r="r" b="b" t="t" l="l"/>
+              <a:rect l="l" t="t" r="r" b="b"/>
               <a:pathLst>
-                <a:path h="17928" w="166260">
+                <a:path w="166260" h="17928">
                   <a:moveTo>
                     <a:pt x="0" y="0"/>
                   </a:moveTo>
@@ -6538,8 +6443,8 @@
         </p:sp>
         <p:sp>
           <p:nvSpPr>
-            <p:cNvPr name="TextBox 4" id="4"/>
-            <p:cNvSpPr txBox="true"/>
+            <p:cNvPr id="4" name="TextBox 4"/>
+            <p:cNvSpPr txBox="1"/>
             <p:nvPr/>
           </p:nvSpPr>
           <p:spPr>
@@ -6552,7 +6457,7 @@
             </a:prstGeom>
           </p:spPr>
           <p:txBody>
-            <a:bodyPr anchor="ctr" rtlCol="false" tIns="50800" lIns="50800" bIns="50800" rIns="50800"/>
+            <a:bodyPr lIns="50800" tIns="50800" rIns="50800" bIns="50800" rtlCol="0" anchor="ctr"/>
             <a:lstStyle/>
             <a:p>
               <a:pPr algn="ctr">
@@ -6563,18 +6468,19 @@
                   <a:spcPct val="0"/>
                 </a:spcBef>
               </a:pPr>
+              <a:endParaRPr/>
             </a:p>
           </p:txBody>
         </p:sp>
       </p:grpSp>
       <p:grpSp>
         <p:nvGrpSpPr>
-          <p:cNvPr name="Group 5" id="5"/>
+          <p:cNvPr id="5" name="Group 5"/>
           <p:cNvGrpSpPr/>
           <p:nvPr/>
         </p:nvGrpSpPr>
         <p:grpSpPr>
-          <a:xfrm rot="0">
+          <a:xfrm>
             <a:off x="14116517" y="9103198"/>
             <a:ext cx="3121419" cy="139974"/>
             <a:chOff x="0" y="0"/>
@@ -6583,12 +6489,12 @@
         </p:grpSpPr>
         <p:sp>
           <p:nvSpPr>
-            <p:cNvPr name="Freeform 6" id="6"/>
+            <p:cNvPr id="6" name="Freeform 6"/>
             <p:cNvSpPr/>
             <p:nvPr/>
           </p:nvSpPr>
           <p:spPr>
-            <a:xfrm flipH="false" flipV="false" rot="0">
+            <a:xfrm>
               <a:off x="0" y="0"/>
               <a:ext cx="822102" cy="36866"/>
             </a:xfrm>
@@ -6597,9 +6503,9 @@
               <a:gdLst/>
               <a:ahLst/>
               <a:cxnLst/>
-              <a:rect r="r" b="b" t="t" l="l"/>
+              <a:rect l="l" t="t" r="r" b="b"/>
               <a:pathLst>
-                <a:path h="36866" w="822102">
+                <a:path w="822102" h="36866">
                   <a:moveTo>
                     <a:pt x="0" y="0"/>
                   </a:moveTo>
@@ -6623,8 +6529,8 @@
         </p:sp>
         <p:sp>
           <p:nvSpPr>
-            <p:cNvPr name="TextBox 7" id="7"/>
-            <p:cNvSpPr txBox="true"/>
+            <p:cNvPr id="7" name="TextBox 7"/>
+            <p:cNvSpPr txBox="1"/>
             <p:nvPr/>
           </p:nvSpPr>
           <p:spPr>
@@ -6637,7 +6543,7 @@
             </a:prstGeom>
           </p:spPr>
           <p:txBody>
-            <a:bodyPr anchor="ctr" rtlCol="false" tIns="50800" lIns="50800" bIns="50800" rIns="50800"/>
+            <a:bodyPr lIns="50800" tIns="50800" rIns="50800" bIns="50800" rtlCol="0" anchor="ctr"/>
             <a:lstStyle/>
             <a:p>
               <a:pPr algn="ctr">
@@ -6648,18 +6554,19 @@
                   <a:spcPct val="0"/>
                 </a:spcBef>
               </a:pPr>
+              <a:endParaRPr/>
             </a:p>
           </p:txBody>
         </p:sp>
       </p:grpSp>
       <p:grpSp>
         <p:nvGrpSpPr>
-          <p:cNvPr name="Group 8" id="8"/>
+          <p:cNvPr id="8" name="Group 8"/>
           <p:cNvGrpSpPr/>
           <p:nvPr/>
         </p:nvGrpSpPr>
         <p:grpSpPr>
-          <a:xfrm rot="0">
+          <a:xfrm>
             <a:off x="457496" y="4377835"/>
             <a:ext cx="8155395" cy="4725363"/>
             <a:chOff x="0" y="0"/>
@@ -6668,12 +6575,12 @@
         </p:grpSpPr>
         <p:sp>
           <p:nvSpPr>
-            <p:cNvPr name="Freeform 9" id="9"/>
+            <p:cNvPr id="9" name="Freeform 9"/>
             <p:cNvSpPr/>
             <p:nvPr/>
           </p:nvSpPr>
           <p:spPr>
-            <a:xfrm flipH="false" flipV="false" rot="0">
+            <a:xfrm>
               <a:off x="0" y="0"/>
               <a:ext cx="2147923" cy="1244540"/>
             </a:xfrm>
@@ -6682,9 +6589,9 @@
               <a:gdLst/>
               <a:ahLst/>
               <a:cxnLst/>
-              <a:rect r="r" b="b" t="t" l="l"/>
+              <a:rect l="l" t="t" r="r" b="b"/>
               <a:pathLst>
-                <a:path h="1244540" w="2147923">
+                <a:path w="2147923" h="1244540">
                   <a:moveTo>
                     <a:pt x="18986" y="0"/>
                   </a:moveTo>
@@ -6748,8 +6655,8 @@
         </p:sp>
         <p:sp>
           <p:nvSpPr>
-            <p:cNvPr name="TextBox 10" id="10"/>
-            <p:cNvSpPr txBox="true"/>
+            <p:cNvPr id="10" name="TextBox 10"/>
+            <p:cNvSpPr txBox="1"/>
             <p:nvPr/>
           </p:nvSpPr>
           <p:spPr>
@@ -6762,7 +6669,7 @@
             </a:prstGeom>
           </p:spPr>
           <p:txBody>
-            <a:bodyPr anchor="ctr" rtlCol="false" tIns="50800" lIns="50800" bIns="50800" rIns="50800"/>
+            <a:bodyPr lIns="50800" tIns="50800" rIns="50800" bIns="50800" rtlCol="0" anchor="ctr"/>
             <a:lstStyle/>
             <a:p>
               <a:pPr algn="ctr">
@@ -6770,18 +6677,19 @@
                   <a:spcPts val="3359"/>
                 </a:lnSpc>
               </a:pPr>
+              <a:endParaRPr/>
             </a:p>
           </p:txBody>
         </p:sp>
       </p:grpSp>
       <p:sp>
         <p:nvSpPr>
-          <p:cNvPr name="Freeform 11" id="11"/>
+          <p:cNvPr id="11" name="Freeform 11"/>
           <p:cNvSpPr/>
           <p:nvPr/>
         </p:nvSpPr>
         <p:spPr>
-          <a:xfrm flipH="false" flipV="false" rot="0">
+          <a:xfrm>
             <a:off x="9144000" y="2191237"/>
             <a:ext cx="8301619" cy="5904527"/>
           </a:xfrm>
@@ -6790,9 +6698,9 @@
             <a:gdLst/>
             <a:ahLst/>
             <a:cxnLst/>
-            <a:rect r="r" b="b" t="t" l="l"/>
+            <a:rect l="l" t="t" r="r" b="b"/>
             <a:pathLst>
-              <a:path h="5904527" w="8301619">
+              <a:path w="8301619" h="5904527">
                 <a:moveTo>
                   <a:pt x="0" y="0"/>
                 </a:moveTo>
@@ -6815,7 +6723,7 @@
           <a:blipFill>
             <a:blip r:embed="rId2"/>
             <a:stretch>
-              <a:fillRect l="0" t="0" r="0" b="0"/>
+              <a:fillRect/>
             </a:stretch>
           </a:blipFill>
           <a:ln w="47625" cap="sq">
@@ -6829,12 +6737,12 @@
       </p:sp>
       <p:sp>
         <p:nvSpPr>
-          <p:cNvPr name="TextBox 12" id="12"/>
-          <p:cNvSpPr txBox="true"/>
+          <p:cNvPr id="12" name="TextBox 12"/>
+          <p:cNvSpPr txBox="1"/>
           <p:nvPr/>
         </p:nvSpPr>
         <p:spPr>
-          <a:xfrm rot="0">
+          <a:xfrm>
             <a:off x="1255622" y="2933256"/>
             <a:ext cx="7553302" cy="529209"/>
           </a:xfrm>
@@ -6843,7 +6751,7 @@
           </a:prstGeom>
         </p:spPr>
         <p:txBody>
-          <a:bodyPr anchor="t" rtlCol="false" tIns="0" lIns="0" bIns="0" rIns="0">
+          <a:bodyPr lIns="0" tIns="0" rIns="0" bIns="0" rtlCol="0" anchor="t">
             <a:spAutoFit/>
           </a:bodyPr>
           <a:lstStyle/>
@@ -6854,7 +6762,7 @@
               </a:lnSpc>
             </a:pPr>
             <a:r>
-              <a:rPr lang="en-US" sz="4200" b="true">
+              <a:rPr lang="en-US" sz="4200" b="1">
                 <a:solidFill>
                   <a:srgbClr val="1211CA"/>
                 </a:solidFill>
@@ -6870,12 +6778,12 @@
       </p:sp>
       <p:sp>
         <p:nvSpPr>
-          <p:cNvPr name="TextBox 13" id="13"/>
-          <p:cNvSpPr txBox="true"/>
+          <p:cNvPr id="13" name="TextBox 13"/>
+          <p:cNvSpPr txBox="1"/>
           <p:nvPr/>
         </p:nvSpPr>
         <p:spPr>
-          <a:xfrm rot="0">
+          <a:xfrm>
             <a:off x="1255622" y="3667651"/>
             <a:ext cx="6448950" cy="529209"/>
           </a:xfrm>
@@ -6884,7 +6792,7 @@
           </a:prstGeom>
         </p:spPr>
         <p:txBody>
-          <a:bodyPr anchor="t" rtlCol="false" tIns="0" lIns="0" bIns="0" rIns="0">
+          <a:bodyPr lIns="0" tIns="0" rIns="0" bIns="0" rtlCol="0" anchor="t">
             <a:spAutoFit/>
           </a:bodyPr>
           <a:lstStyle/>
@@ -6895,7 +6803,7 @@
               </a:lnSpc>
             </a:pPr>
             <a:r>
-              <a:rPr lang="en-US" sz="4200" b="true">
+              <a:rPr lang="en-US" sz="4200" b="1">
                 <a:solidFill>
                   <a:srgbClr val="F9B314"/>
                 </a:solidFill>
@@ -6911,12 +6819,12 @@
       </p:sp>
       <p:sp>
         <p:nvSpPr>
-          <p:cNvPr name="TextBox 14" id="14"/>
-          <p:cNvSpPr txBox="true"/>
+          <p:cNvPr id="14" name="TextBox 14"/>
+          <p:cNvSpPr txBox="1"/>
           <p:nvPr/>
         </p:nvSpPr>
         <p:spPr>
-          <a:xfrm rot="0">
+          <a:xfrm>
             <a:off x="956702" y="4572855"/>
             <a:ext cx="7166745" cy="4177665"/>
           </a:xfrm>
@@ -6925,7 +6833,7 @@
           </a:prstGeom>
         </p:spPr>
         <p:txBody>
-          <a:bodyPr anchor="t" rtlCol="false" tIns="0" lIns="0" bIns="0" rIns="0">
+          <a:bodyPr lIns="0" tIns="0" rIns="0" bIns="0" rtlCol="0" anchor="t">
             <a:spAutoFit/>
           </a:bodyPr>
           <a:lstStyle/>
@@ -6952,12 +6860,12 @@
       </p:sp>
       <p:sp>
         <p:nvSpPr>
-          <p:cNvPr name="TextBox 15" id="15"/>
-          <p:cNvSpPr txBox="true"/>
+          <p:cNvPr id="15" name="TextBox 15"/>
+          <p:cNvSpPr txBox="1"/>
           <p:nvPr/>
         </p:nvSpPr>
         <p:spPr>
-          <a:xfrm rot="0">
+          <a:xfrm>
             <a:off x="1341090" y="686528"/>
             <a:ext cx="872651" cy="780913"/>
           </a:xfrm>
@@ -6966,7 +6874,7 @@
           </a:prstGeom>
         </p:spPr>
         <p:txBody>
-          <a:bodyPr anchor="t" rtlCol="false" tIns="0" lIns="0" bIns="0" rIns="0">
+          <a:bodyPr lIns="0" tIns="0" rIns="0" bIns="0" rtlCol="0" anchor="t">
             <a:spAutoFit/>
           </a:bodyPr>
           <a:lstStyle/>
@@ -6977,7 +6885,7 @@
               </a:lnSpc>
             </a:pPr>
             <a:r>
-              <a:rPr lang="en-US" b="true" sz="4505">
+              <a:rPr lang="en-US" sz="4505" b="1">
                 <a:solidFill>
                   <a:srgbClr val="101010"/>
                 </a:solidFill>
@@ -6993,12 +6901,12 @@
       </p:sp>
       <p:sp>
         <p:nvSpPr>
-          <p:cNvPr name="TextBox 16" id="16"/>
-          <p:cNvSpPr txBox="true"/>
+          <p:cNvPr id="16" name="TextBox 16"/>
+          <p:cNvSpPr txBox="1"/>
           <p:nvPr/>
         </p:nvSpPr>
         <p:spPr>
-          <a:xfrm rot="0">
+          <a:xfrm>
             <a:off x="12552844" y="8354683"/>
             <a:ext cx="4685092" cy="622935"/>
           </a:xfrm>
@@ -7007,7 +6915,7 @@
           </a:prstGeom>
         </p:spPr>
         <p:txBody>
-          <a:bodyPr anchor="t" rtlCol="false" tIns="0" lIns="0" bIns="0" rIns="0">
+          <a:bodyPr lIns="0" tIns="0" rIns="0" bIns="0" rtlCol="0" anchor="t">
             <a:spAutoFit/>
           </a:bodyPr>
           <a:lstStyle/>
@@ -7018,7 +6926,7 @@
               </a:lnSpc>
             </a:pPr>
             <a:r>
-              <a:rPr lang="en-US" b="true" sz="3600">
+              <a:rPr lang="en-US" sz="3600" b="1">
                 <a:solidFill>
                   <a:srgbClr val="101010"/>
                 </a:solidFill>
@@ -7041,7 +6949,7 @@
 </file>
 
 <file path=ppt/slides/slide6.xml><?xml version="1.0" encoding="utf-8"?>
-<p:sld xmlns:p="http://schemas.openxmlformats.org/presentationml/2006/main" xmlns:a="http://schemas.openxmlformats.org/drawingml/2006/main" xmlns:r="http://schemas.openxmlformats.org/officeDocument/2006/relationships">
+<p:sld xmlns:a="http://schemas.openxmlformats.org/drawingml/2006/main" xmlns:r="http://schemas.openxmlformats.org/officeDocument/2006/relationships" xmlns:p="http://schemas.openxmlformats.org/presentationml/2006/main">
   <p:cSld>
     <p:spTree>
       <p:nvGrpSpPr>
@@ -7059,12 +6967,12 @@
       </p:grpSpPr>
       <p:grpSp>
         <p:nvGrpSpPr>
-          <p:cNvPr name="Group 2" id="2"/>
+          <p:cNvPr id="2" name="Group 2"/>
           <p:cNvGrpSpPr/>
           <p:nvPr/>
         </p:nvGrpSpPr>
         <p:grpSpPr>
-          <a:xfrm rot="0">
+          <a:xfrm>
             <a:off x="1028700" y="1650781"/>
             <a:ext cx="1185041" cy="127786"/>
             <a:chOff x="0" y="0"/>
@@ -7073,12 +6981,12 @@
         </p:grpSpPr>
         <p:sp>
           <p:nvSpPr>
-            <p:cNvPr name="Freeform 3" id="3"/>
+            <p:cNvPr id="3" name="Freeform 3"/>
             <p:cNvSpPr/>
             <p:nvPr/>
           </p:nvSpPr>
           <p:spPr>
-            <a:xfrm flipH="false" flipV="false" rot="0">
+            <a:xfrm>
               <a:off x="0" y="0"/>
               <a:ext cx="166260" cy="17928"/>
             </a:xfrm>
@@ -7087,9 +6995,9 @@
               <a:gdLst/>
               <a:ahLst/>
               <a:cxnLst/>
-              <a:rect r="r" b="b" t="t" l="l"/>
+              <a:rect l="l" t="t" r="r" b="b"/>
               <a:pathLst>
-                <a:path h="17928" w="166260">
+                <a:path w="166260" h="17928">
                   <a:moveTo>
                     <a:pt x="0" y="0"/>
                   </a:moveTo>
@@ -7113,8 +7021,8 @@
         </p:sp>
         <p:sp>
           <p:nvSpPr>
-            <p:cNvPr name="TextBox 4" id="4"/>
-            <p:cNvSpPr txBox="true"/>
+            <p:cNvPr id="4" name="TextBox 4"/>
+            <p:cNvSpPr txBox="1"/>
             <p:nvPr/>
           </p:nvSpPr>
           <p:spPr>
@@ -7127,7 +7035,7 @@
             </a:prstGeom>
           </p:spPr>
           <p:txBody>
-            <a:bodyPr anchor="ctr" rtlCol="false" tIns="50800" lIns="50800" bIns="50800" rIns="50800"/>
+            <a:bodyPr lIns="50800" tIns="50800" rIns="50800" bIns="50800" rtlCol="0" anchor="ctr"/>
             <a:lstStyle/>
             <a:p>
               <a:pPr algn="ctr">
@@ -7138,18 +7046,19 @@
                   <a:spcPct val="0"/>
                 </a:spcBef>
               </a:pPr>
+              <a:endParaRPr/>
             </a:p>
           </p:txBody>
         </p:sp>
       </p:grpSp>
       <p:grpSp>
         <p:nvGrpSpPr>
-          <p:cNvPr name="Group 5" id="5"/>
+          <p:cNvPr id="5" name="Group 5"/>
           <p:cNvGrpSpPr/>
           <p:nvPr/>
         </p:nvGrpSpPr>
         <p:grpSpPr>
-          <a:xfrm rot="0">
+          <a:xfrm>
             <a:off x="14137881" y="1638592"/>
             <a:ext cx="3121419" cy="139974"/>
             <a:chOff x="0" y="0"/>
@@ -7158,12 +7067,12 @@
         </p:grpSpPr>
         <p:sp>
           <p:nvSpPr>
-            <p:cNvPr name="Freeform 6" id="6"/>
+            <p:cNvPr id="6" name="Freeform 6"/>
             <p:cNvSpPr/>
             <p:nvPr/>
           </p:nvSpPr>
           <p:spPr>
-            <a:xfrm flipH="false" flipV="false" rot="0">
+            <a:xfrm>
               <a:off x="0" y="0"/>
               <a:ext cx="822102" cy="36866"/>
             </a:xfrm>
@@ -7172,9 +7081,9 @@
               <a:gdLst/>
               <a:ahLst/>
               <a:cxnLst/>
-              <a:rect r="r" b="b" t="t" l="l"/>
+              <a:rect l="l" t="t" r="r" b="b"/>
               <a:pathLst>
-                <a:path h="36866" w="822102">
+                <a:path w="822102" h="36866">
                   <a:moveTo>
                     <a:pt x="0" y="0"/>
                   </a:moveTo>
@@ -7198,8 +7107,8 @@
         </p:sp>
         <p:sp>
           <p:nvSpPr>
-            <p:cNvPr name="TextBox 7" id="7"/>
-            <p:cNvSpPr txBox="true"/>
+            <p:cNvPr id="7" name="TextBox 7"/>
+            <p:cNvSpPr txBox="1"/>
             <p:nvPr/>
           </p:nvSpPr>
           <p:spPr>
@@ -7212,7 +7121,7 @@
             </a:prstGeom>
           </p:spPr>
           <p:txBody>
-            <a:bodyPr anchor="ctr" rtlCol="false" tIns="50800" lIns="50800" bIns="50800" rIns="50800"/>
+            <a:bodyPr lIns="50800" tIns="50800" rIns="50800" bIns="50800" rtlCol="0" anchor="ctr"/>
             <a:lstStyle/>
             <a:p>
               <a:pPr algn="ctr">
@@ -7223,18 +7132,19 @@
                   <a:spcPct val="0"/>
                 </a:spcBef>
               </a:pPr>
+              <a:endParaRPr/>
             </a:p>
           </p:txBody>
         </p:sp>
       </p:grpSp>
       <p:sp>
         <p:nvSpPr>
-          <p:cNvPr name="Freeform 8" id="8"/>
+          <p:cNvPr id="8" name="Freeform 8"/>
           <p:cNvSpPr/>
           <p:nvPr/>
         </p:nvSpPr>
         <p:spPr>
-          <a:xfrm flipH="false" flipV="false" rot="0">
+          <a:xfrm>
             <a:off x="2357126" y="3032663"/>
             <a:ext cx="5124987" cy="4785457"/>
           </a:xfrm>
@@ -7243,9 +7153,9 @@
             <a:gdLst/>
             <a:ahLst/>
             <a:cxnLst/>
-            <a:rect r="r" b="b" t="t" l="l"/>
+            <a:rect l="l" t="t" r="r" b="b"/>
             <a:pathLst>
-              <a:path h="4785457" w="5124987">
+              <a:path w="5124987" h="4785457">
                 <a:moveTo>
                   <a:pt x="0" y="0"/>
                 </a:moveTo>
@@ -7268,7 +7178,7 @@
           <a:blipFill>
             <a:blip r:embed="rId2"/>
             <a:stretch>
-              <a:fillRect l="0" t="0" r="0" b="0"/>
+              <a:fillRect/>
             </a:stretch>
           </a:blipFill>
           <a:ln w="95250" cap="sq">
@@ -7282,12 +7192,12 @@
       </p:sp>
       <p:sp>
         <p:nvSpPr>
-          <p:cNvPr name="Freeform 9" id="9"/>
+          <p:cNvPr id="9" name="Freeform 9"/>
           <p:cNvSpPr/>
           <p:nvPr/>
         </p:nvSpPr>
         <p:spPr>
-          <a:xfrm flipH="false" flipV="false" rot="0">
+          <a:xfrm>
             <a:off x="10156860" y="3092577"/>
             <a:ext cx="5234927" cy="4665629"/>
           </a:xfrm>
@@ -7296,9 +7206,9 @@
             <a:gdLst/>
             <a:ahLst/>
             <a:cxnLst/>
-            <a:rect r="r" b="b" t="t" l="l"/>
+            <a:rect l="l" t="t" r="r" b="b"/>
             <a:pathLst>
-              <a:path h="4665629" w="5234927">
+              <a:path w="5234927" h="4665629">
                 <a:moveTo>
                   <a:pt x="0" y="0"/>
                 </a:moveTo>
@@ -7321,7 +7231,7 @@
           <a:blipFill>
             <a:blip r:embed="rId3"/>
             <a:stretch>
-              <a:fillRect l="0" t="0" r="0" b="0"/>
+              <a:fillRect/>
             </a:stretch>
           </a:blipFill>
           <a:ln w="95250" cap="sq">
@@ -7335,12 +7245,12 @@
       </p:sp>
       <p:grpSp>
         <p:nvGrpSpPr>
-          <p:cNvPr name="Group 10" id="10"/>
+          <p:cNvPr id="10" name="Group 10"/>
           <p:cNvGrpSpPr/>
           <p:nvPr/>
         </p:nvGrpSpPr>
         <p:grpSpPr>
-          <a:xfrm rot="0">
+          <a:xfrm>
             <a:off x="16326123" y="9549934"/>
             <a:ext cx="1866354" cy="663028"/>
             <a:chOff x="0" y="0"/>
@@ -7349,12 +7259,12 @@
         </p:grpSpPr>
         <p:sp>
           <p:nvSpPr>
-            <p:cNvPr name="Freeform 11" id="11"/>
+            <p:cNvPr id="11" name="Freeform 11"/>
             <p:cNvSpPr/>
             <p:nvPr/>
           </p:nvSpPr>
           <p:spPr>
-            <a:xfrm flipH="false" flipV="false" rot="0">
+            <a:xfrm>
               <a:off x="0" y="0"/>
               <a:ext cx="491550" cy="174625"/>
             </a:xfrm>
@@ -7363,9 +7273,9 @@
               <a:gdLst/>
               <a:ahLst/>
               <a:cxnLst/>
-              <a:rect r="r" b="b" t="t" l="l"/>
+              <a:rect l="l" t="t" r="r" b="b"/>
               <a:pathLst>
-                <a:path h="174625" w="491550">
+                <a:path w="491550" h="174625">
                   <a:moveTo>
                     <a:pt x="82963" y="0"/>
                   </a:moveTo>
@@ -7419,8 +7329,8 @@
         </p:sp>
         <p:sp>
           <p:nvSpPr>
-            <p:cNvPr name="TextBox 12" id="12"/>
-            <p:cNvSpPr txBox="true"/>
+            <p:cNvPr id="12" name="TextBox 12"/>
+            <p:cNvSpPr txBox="1"/>
             <p:nvPr/>
           </p:nvSpPr>
           <p:spPr>
@@ -7433,7 +7343,7 @@
             </a:prstGeom>
           </p:spPr>
           <p:txBody>
-            <a:bodyPr anchor="ctr" rtlCol="false" tIns="50800" lIns="50800" bIns="50800" rIns="50800"/>
+            <a:bodyPr lIns="50800" tIns="50800" rIns="50800" bIns="50800" rtlCol="0" anchor="ctr"/>
             <a:lstStyle/>
             <a:p>
               <a:pPr algn="ctr">
@@ -7441,18 +7351,19 @@
                   <a:spcPts val="3359"/>
                 </a:lnSpc>
               </a:pPr>
+              <a:endParaRPr/>
             </a:p>
           </p:txBody>
         </p:sp>
       </p:grpSp>
       <p:sp>
         <p:nvSpPr>
-          <p:cNvPr name="TextBox 13" id="13"/>
-          <p:cNvSpPr txBox="true"/>
+          <p:cNvPr id="13" name="TextBox 13"/>
+          <p:cNvSpPr txBox="1"/>
           <p:nvPr/>
         </p:nvSpPr>
         <p:spPr>
-          <a:xfrm rot="0">
+          <a:xfrm>
             <a:off x="1341090" y="686528"/>
             <a:ext cx="872651" cy="780913"/>
           </a:xfrm>
@@ -7461,7 +7372,7 @@
           </a:prstGeom>
         </p:spPr>
         <p:txBody>
-          <a:bodyPr anchor="t" rtlCol="false" tIns="0" lIns="0" bIns="0" rIns="0">
+          <a:bodyPr lIns="0" tIns="0" rIns="0" bIns="0" rtlCol="0" anchor="t">
             <a:spAutoFit/>
           </a:bodyPr>
           <a:lstStyle/>
@@ -7472,7 +7383,7 @@
               </a:lnSpc>
             </a:pPr>
             <a:r>
-              <a:rPr lang="en-US" b="true" sz="4505">
+              <a:rPr lang="en-US" sz="4505" b="1">
                 <a:solidFill>
                   <a:srgbClr val="101010"/>
                 </a:solidFill>
@@ -7488,12 +7399,12 @@
       </p:sp>
       <p:sp>
         <p:nvSpPr>
-          <p:cNvPr name="TextBox 14" id="14"/>
-          <p:cNvSpPr txBox="true"/>
+          <p:cNvPr id="14" name="TextBox 14"/>
+          <p:cNvSpPr txBox="1"/>
           <p:nvPr/>
         </p:nvSpPr>
         <p:spPr>
-          <a:xfrm rot="0">
+          <a:xfrm>
             <a:off x="10870816" y="8910839"/>
             <a:ext cx="4152007" cy="405765"/>
           </a:xfrm>
@@ -7502,7 +7413,7 @@
           </a:prstGeom>
         </p:spPr>
         <p:txBody>
-          <a:bodyPr anchor="t" rtlCol="false" tIns="0" lIns="0" bIns="0" rIns="0">
+          <a:bodyPr lIns="0" tIns="0" rIns="0" bIns="0" rtlCol="0" anchor="t">
             <a:spAutoFit/>
           </a:bodyPr>
           <a:lstStyle/>
@@ -7516,7 +7427,7 @@
               </a:spcBef>
             </a:pPr>
             <a:r>
-              <a:rPr lang="en-US" b="true" sz="2400">
+              <a:rPr lang="en-US" sz="2400" b="1">
                 <a:solidFill>
                   <a:srgbClr val="101010"/>
                 </a:solidFill>
@@ -7532,12 +7443,12 @@
       </p:sp>
       <p:sp>
         <p:nvSpPr>
-          <p:cNvPr name="TextBox 15" id="15"/>
-          <p:cNvSpPr txBox="true"/>
+          <p:cNvPr id="15" name="TextBox 15"/>
+          <p:cNvSpPr txBox="1"/>
           <p:nvPr/>
         </p:nvSpPr>
         <p:spPr>
-          <a:xfrm rot="0">
+          <a:xfrm>
             <a:off x="6273340" y="2133161"/>
             <a:ext cx="5741320" cy="529209"/>
           </a:xfrm>
@@ -7546,7 +7457,7 @@
           </a:prstGeom>
         </p:spPr>
         <p:txBody>
-          <a:bodyPr anchor="t" rtlCol="false" tIns="0" lIns="0" bIns="0" rIns="0">
+          <a:bodyPr lIns="0" tIns="0" rIns="0" bIns="0" rtlCol="0" anchor="t">
             <a:spAutoFit/>
           </a:bodyPr>
           <a:lstStyle/>
@@ -7557,7 +7468,7 @@
               </a:lnSpc>
             </a:pPr>
             <a:r>
-              <a:rPr lang="en-US" b="true" sz="4200">
+              <a:rPr lang="en-US" sz="4200" b="1">
                 <a:solidFill>
                   <a:srgbClr val="1211CA"/>
                 </a:solidFill>
@@ -7573,12 +7484,12 @@
       </p:sp>
       <p:sp>
         <p:nvSpPr>
-          <p:cNvPr name="TextBox 16" id="16"/>
-          <p:cNvSpPr txBox="true"/>
+          <p:cNvPr id="16" name="TextBox 16"/>
+          <p:cNvSpPr txBox="1"/>
           <p:nvPr/>
         </p:nvSpPr>
         <p:spPr>
-          <a:xfrm rot="0">
+          <a:xfrm>
             <a:off x="12574208" y="890077"/>
             <a:ext cx="4685092" cy="622935"/>
           </a:xfrm>
@@ -7587,7 +7498,7 @@
           </a:prstGeom>
         </p:spPr>
         <p:txBody>
-          <a:bodyPr anchor="t" rtlCol="false" tIns="0" lIns="0" bIns="0" rIns="0">
+          <a:bodyPr lIns="0" tIns="0" rIns="0" bIns="0" rtlCol="0" anchor="t">
             <a:spAutoFit/>
           </a:bodyPr>
           <a:lstStyle/>
@@ -7598,7 +7509,7 @@
               </a:lnSpc>
             </a:pPr>
             <a:r>
-              <a:rPr lang="en-US" b="true" sz="3600">
+              <a:rPr lang="en-US" sz="3600" b="1">
                 <a:solidFill>
                   <a:srgbClr val="101010"/>
                 </a:solidFill>
@@ -7614,12 +7525,12 @@
       </p:sp>
       <p:sp>
         <p:nvSpPr>
-          <p:cNvPr name="TextBox 17" id="17"/>
-          <p:cNvSpPr txBox="true"/>
+          <p:cNvPr id="17" name="TextBox 17"/>
+          <p:cNvSpPr txBox="1"/>
           <p:nvPr/>
         </p:nvSpPr>
         <p:spPr>
-          <a:xfrm rot="0">
+          <a:xfrm>
             <a:off x="1777416" y="7951470"/>
             <a:ext cx="6284409" cy="824865"/>
           </a:xfrm>
@@ -7628,7 +7539,7 @@
           </a:prstGeom>
         </p:spPr>
         <p:txBody>
-          <a:bodyPr anchor="t" rtlCol="false" tIns="0" lIns="0" bIns="0" rIns="0">
+          <a:bodyPr lIns="0" tIns="0" rIns="0" bIns="0" rtlCol="0" anchor="t">
             <a:spAutoFit/>
           </a:bodyPr>
           <a:lstStyle/>
@@ -7639,7 +7550,7 @@
               </a:lnSpc>
             </a:pPr>
             <a:r>
-              <a:rPr lang="en-US" b="true" sz="2400">
+              <a:rPr lang="en-US" sz="2400" b="1">
                 <a:solidFill>
                   <a:srgbClr val="1211CA"/>
                 </a:solidFill>
@@ -7655,12 +7566,12 @@
       </p:sp>
       <p:sp>
         <p:nvSpPr>
-          <p:cNvPr name="TextBox 18" id="18"/>
-          <p:cNvSpPr txBox="true"/>
+          <p:cNvPr id="18" name="TextBox 18"/>
+          <p:cNvSpPr txBox="1"/>
           <p:nvPr/>
         </p:nvSpPr>
         <p:spPr>
-          <a:xfrm rot="0">
+          <a:xfrm>
             <a:off x="1709857" y="8910839"/>
             <a:ext cx="6419526" cy="405765"/>
           </a:xfrm>
@@ -7669,7 +7580,7 @@
           </a:prstGeom>
         </p:spPr>
         <p:txBody>
-          <a:bodyPr anchor="t" rtlCol="false" tIns="0" lIns="0" bIns="0" rIns="0">
+          <a:bodyPr lIns="0" tIns="0" rIns="0" bIns="0" rtlCol="0" anchor="t">
             <a:spAutoFit/>
           </a:bodyPr>
           <a:lstStyle/>
@@ -7683,7 +7594,7 @@
               </a:spcBef>
             </a:pPr>
             <a:r>
-              <a:rPr lang="en-US" b="true" sz="2400">
+              <a:rPr lang="en-US" sz="2400" b="1">
                 <a:solidFill>
                   <a:srgbClr val="101010"/>
                 </a:solidFill>
@@ -7699,12 +7610,12 @@
       </p:sp>
       <p:sp>
         <p:nvSpPr>
-          <p:cNvPr name="TextBox 19" id="19"/>
-          <p:cNvSpPr txBox="true"/>
+          <p:cNvPr id="19" name="TextBox 19"/>
+          <p:cNvSpPr txBox="1"/>
           <p:nvPr/>
         </p:nvSpPr>
         <p:spPr>
-          <a:xfrm rot="0">
+          <a:xfrm>
             <a:off x="9804615" y="7922090"/>
             <a:ext cx="6284409" cy="405765"/>
           </a:xfrm>
@@ -7713,7 +7624,7 @@
           </a:prstGeom>
         </p:spPr>
         <p:txBody>
-          <a:bodyPr anchor="t" rtlCol="false" tIns="0" lIns="0" bIns="0" rIns="0">
+          <a:bodyPr lIns="0" tIns="0" rIns="0" bIns="0" rtlCol="0" anchor="t">
             <a:spAutoFit/>
           </a:bodyPr>
           <a:lstStyle/>
@@ -7724,7 +7635,7 @@
               </a:lnSpc>
             </a:pPr>
             <a:r>
-              <a:rPr lang="en-US" b="true" sz="2400">
+              <a:rPr lang="en-US" sz="2400" b="1">
                 <a:solidFill>
                   <a:srgbClr val="1211CA"/>
                 </a:solidFill>
@@ -7740,12 +7651,12 @@
       </p:sp>
       <p:sp>
         <p:nvSpPr>
-          <p:cNvPr name="TextBox 20" id="20"/>
-          <p:cNvSpPr txBox="true"/>
+          <p:cNvPr id="20" name="TextBox 20"/>
+          <p:cNvSpPr txBox="1"/>
           <p:nvPr/>
         </p:nvSpPr>
         <p:spPr>
-          <a:xfrm rot="0">
+          <a:xfrm>
             <a:off x="16539493" y="9654753"/>
             <a:ext cx="1439614" cy="405765"/>
           </a:xfrm>
@@ -7754,7 +7665,7 @@
           </a:prstGeom>
         </p:spPr>
         <p:txBody>
-          <a:bodyPr anchor="t" rtlCol="false" tIns="0" lIns="0" bIns="0" rIns="0">
+          <a:bodyPr lIns="0" tIns="0" rIns="0" bIns="0" rtlCol="0" anchor="t">
             <a:spAutoFit/>
           </a:bodyPr>
           <a:lstStyle/>
@@ -7768,7 +7679,7 @@
               </a:spcBef>
             </a:pPr>
             <a:r>
-              <a:rPr lang="en-US" b="true" sz="2400">
+              <a:rPr lang="en-US" sz="2400" b="1">
                 <a:solidFill>
                   <a:srgbClr val="000000">
                     <a:alpha val="41961"/>
@@ -7793,7 +7704,7 @@
 </file>
 
 <file path=ppt/slides/slide7.xml><?xml version="1.0" encoding="utf-8"?>
-<p:sld xmlns:p="http://schemas.openxmlformats.org/presentationml/2006/main" xmlns:a="http://schemas.openxmlformats.org/drawingml/2006/main" xmlns:r="http://schemas.openxmlformats.org/officeDocument/2006/relationships">
+<p:sld xmlns:a="http://schemas.openxmlformats.org/drawingml/2006/main" xmlns:r="http://schemas.openxmlformats.org/officeDocument/2006/relationships" xmlns:p="http://schemas.openxmlformats.org/presentationml/2006/main">
   <p:cSld>
     <p:spTree>
       <p:nvGrpSpPr>
@@ -7811,12 +7722,12 @@
       </p:grpSpPr>
       <p:grpSp>
         <p:nvGrpSpPr>
-          <p:cNvPr name="Group 2" id="2"/>
+          <p:cNvPr id="2" name="Group 2"/>
           <p:cNvGrpSpPr/>
           <p:nvPr/>
         </p:nvGrpSpPr>
         <p:grpSpPr>
-          <a:xfrm rot="0">
+          <a:xfrm>
             <a:off x="14116517" y="9103198"/>
             <a:ext cx="3121419" cy="139974"/>
             <a:chOff x="0" y="0"/>
@@ -7825,12 +7736,12 @@
         </p:grpSpPr>
         <p:sp>
           <p:nvSpPr>
-            <p:cNvPr name="Freeform 3" id="3"/>
+            <p:cNvPr id="3" name="Freeform 3"/>
             <p:cNvSpPr/>
             <p:nvPr/>
           </p:nvSpPr>
           <p:spPr>
-            <a:xfrm flipH="false" flipV="false" rot="0">
+            <a:xfrm>
               <a:off x="0" y="0"/>
               <a:ext cx="822102" cy="36866"/>
             </a:xfrm>
@@ -7839,9 +7750,9 @@
               <a:gdLst/>
               <a:ahLst/>
               <a:cxnLst/>
-              <a:rect r="r" b="b" t="t" l="l"/>
+              <a:rect l="l" t="t" r="r" b="b"/>
               <a:pathLst>
-                <a:path h="36866" w="822102">
+                <a:path w="822102" h="36866">
                   <a:moveTo>
                     <a:pt x="0" y="0"/>
                   </a:moveTo>
@@ -7865,8 +7776,8 @@
         </p:sp>
         <p:sp>
           <p:nvSpPr>
-            <p:cNvPr name="TextBox 4" id="4"/>
-            <p:cNvSpPr txBox="true"/>
+            <p:cNvPr id="4" name="TextBox 4"/>
+            <p:cNvSpPr txBox="1"/>
             <p:nvPr/>
           </p:nvSpPr>
           <p:spPr>
@@ -7879,7 +7790,7 @@
             </a:prstGeom>
           </p:spPr>
           <p:txBody>
-            <a:bodyPr anchor="ctr" rtlCol="false" tIns="50800" lIns="50800" bIns="50800" rIns="50800"/>
+            <a:bodyPr lIns="50800" tIns="50800" rIns="50800" bIns="50800" rtlCol="0" anchor="ctr"/>
             <a:lstStyle/>
             <a:p>
               <a:pPr algn="ctr">
@@ -7890,18 +7801,19 @@
                   <a:spcPct val="0"/>
                 </a:spcBef>
               </a:pPr>
+              <a:endParaRPr/>
             </a:p>
           </p:txBody>
         </p:sp>
       </p:grpSp>
       <p:grpSp>
         <p:nvGrpSpPr>
-          <p:cNvPr name="Group 5" id="5"/>
+          <p:cNvPr id="5" name="Group 5"/>
           <p:cNvGrpSpPr/>
           <p:nvPr/>
         </p:nvGrpSpPr>
         <p:grpSpPr>
-          <a:xfrm rot="0">
+          <a:xfrm>
             <a:off x="1028700" y="1650781"/>
             <a:ext cx="1185041" cy="127786"/>
             <a:chOff x="0" y="0"/>
@@ -7910,12 +7822,12 @@
         </p:grpSpPr>
         <p:sp>
           <p:nvSpPr>
-            <p:cNvPr name="Freeform 6" id="6"/>
+            <p:cNvPr id="6" name="Freeform 6"/>
             <p:cNvSpPr/>
             <p:nvPr/>
           </p:nvSpPr>
           <p:spPr>
-            <a:xfrm flipH="false" flipV="false" rot="0">
+            <a:xfrm>
               <a:off x="0" y="0"/>
               <a:ext cx="166260" cy="17928"/>
             </a:xfrm>
@@ -7924,9 +7836,9 @@
               <a:gdLst/>
               <a:ahLst/>
               <a:cxnLst/>
-              <a:rect r="r" b="b" t="t" l="l"/>
+              <a:rect l="l" t="t" r="r" b="b"/>
               <a:pathLst>
-                <a:path h="17928" w="166260">
+                <a:path w="166260" h="17928">
                   <a:moveTo>
                     <a:pt x="0" y="0"/>
                   </a:moveTo>
@@ -7950,8 +7862,8 @@
         </p:sp>
         <p:sp>
           <p:nvSpPr>
-            <p:cNvPr name="TextBox 7" id="7"/>
-            <p:cNvSpPr txBox="true"/>
+            <p:cNvPr id="7" name="TextBox 7"/>
+            <p:cNvSpPr txBox="1"/>
             <p:nvPr/>
           </p:nvSpPr>
           <p:spPr>
@@ -7964,7 +7876,7 @@
             </a:prstGeom>
           </p:spPr>
           <p:txBody>
-            <a:bodyPr anchor="ctr" rtlCol="false" tIns="50800" lIns="50800" bIns="50800" rIns="50800"/>
+            <a:bodyPr lIns="50800" tIns="50800" rIns="50800" bIns="50800" rtlCol="0" anchor="ctr"/>
             <a:lstStyle/>
             <a:p>
               <a:pPr algn="ctr">
@@ -7975,18 +7887,19 @@
                   <a:spcPct val="0"/>
                 </a:spcBef>
               </a:pPr>
+              <a:endParaRPr/>
             </a:p>
           </p:txBody>
         </p:sp>
       </p:grpSp>
       <p:sp>
         <p:nvSpPr>
-          <p:cNvPr name="Freeform 8" id="8"/>
+          <p:cNvPr id="8" name="Freeform 8"/>
           <p:cNvSpPr/>
           <p:nvPr/>
         </p:nvSpPr>
         <p:spPr>
-          <a:xfrm flipH="false" flipV="false" rot="0">
+          <a:xfrm>
             <a:off x="11805266" y="1778566"/>
             <a:ext cx="5454034" cy="6181823"/>
           </a:xfrm>
@@ -7995,9 +7908,9 @@
             <a:gdLst/>
             <a:ahLst/>
             <a:cxnLst/>
-            <a:rect r="r" b="b" t="t" l="l"/>
+            <a:rect l="l" t="t" r="r" b="b"/>
             <a:pathLst>
-              <a:path h="6181823" w="5454034">
+              <a:path w="5454034" h="6181823">
                 <a:moveTo>
                   <a:pt x="0" y="0"/>
                 </a:moveTo>
@@ -8020,7 +7933,7 @@
           <a:blipFill>
             <a:blip r:embed="rId2"/>
             <a:stretch>
-              <a:fillRect l="0" t="0" r="0" b="0"/>
+              <a:fillRect/>
             </a:stretch>
           </a:blipFill>
           <a:ln w="95250" cap="sq">
@@ -8034,12 +7947,12 @@
       </p:sp>
       <p:grpSp>
         <p:nvGrpSpPr>
-          <p:cNvPr name="Group 9" id="9"/>
+          <p:cNvPr id="9" name="Group 9"/>
           <p:cNvGrpSpPr/>
           <p:nvPr/>
         </p:nvGrpSpPr>
         <p:grpSpPr>
-          <a:xfrm rot="0">
+          <a:xfrm>
             <a:off x="457496" y="3643440"/>
             <a:ext cx="11063082" cy="4787442"/>
             <a:chOff x="0" y="0"/>
@@ -8048,12 +7961,12 @@
         </p:grpSpPr>
         <p:sp>
           <p:nvSpPr>
-            <p:cNvPr name="Freeform 10" id="10"/>
+            <p:cNvPr id="10" name="Freeform 10"/>
             <p:cNvSpPr/>
             <p:nvPr/>
           </p:nvSpPr>
           <p:spPr>
-            <a:xfrm flipH="false" flipV="false" rot="0">
+            <a:xfrm>
               <a:off x="0" y="0"/>
               <a:ext cx="2913733" cy="1260890"/>
             </a:xfrm>
@@ -8062,9 +7975,9 @@
               <a:gdLst/>
               <a:ahLst/>
               <a:cxnLst/>
-              <a:rect r="r" b="b" t="t" l="l"/>
+              <a:rect l="l" t="t" r="r" b="b"/>
               <a:pathLst>
-                <a:path h="1260890" w="2913733">
+                <a:path w="2913733" h="1260890">
                   <a:moveTo>
                     <a:pt x="13996" y="0"/>
                   </a:moveTo>
@@ -8133,8 +8046,8 @@
         </p:sp>
         <p:sp>
           <p:nvSpPr>
-            <p:cNvPr name="TextBox 11" id="11"/>
-            <p:cNvSpPr txBox="true"/>
+            <p:cNvPr id="11" name="TextBox 11"/>
+            <p:cNvSpPr txBox="1"/>
             <p:nvPr/>
           </p:nvSpPr>
           <p:spPr>
@@ -8147,7 +8060,7 @@
             </a:prstGeom>
           </p:spPr>
           <p:txBody>
-            <a:bodyPr anchor="ctr" rtlCol="false" tIns="50800" lIns="50800" bIns="50800" rIns="50800"/>
+            <a:bodyPr lIns="50800" tIns="50800" rIns="50800" bIns="50800" rtlCol="0" anchor="ctr"/>
             <a:lstStyle/>
             <a:p>
               <a:pPr algn="ctr">
@@ -8155,18 +8068,19 @@
                   <a:spcPts val="3359"/>
                 </a:lnSpc>
               </a:pPr>
+              <a:endParaRPr/>
             </a:p>
           </p:txBody>
         </p:sp>
       </p:grpSp>
       <p:sp>
         <p:nvSpPr>
-          <p:cNvPr name="TextBox 12" id="12"/>
-          <p:cNvSpPr txBox="true"/>
+          <p:cNvPr id="12" name="TextBox 12"/>
+          <p:cNvSpPr txBox="1"/>
           <p:nvPr/>
         </p:nvSpPr>
         <p:spPr>
-          <a:xfrm rot="0">
+          <a:xfrm>
             <a:off x="874504" y="3834118"/>
             <a:ext cx="10349143" cy="4596765"/>
           </a:xfrm>
@@ -8175,7 +8089,7 @@
           </a:prstGeom>
         </p:spPr>
         <p:txBody>
-          <a:bodyPr anchor="t" rtlCol="false" tIns="0" lIns="0" bIns="0" rIns="0">
+          <a:bodyPr lIns="0" tIns="0" rIns="0" bIns="0" rtlCol="0" anchor="t">
             <a:spAutoFit/>
           </a:bodyPr>
           <a:lstStyle/>
@@ -8198,7 +8112,7 @@
               <a:t>An approximate </a:t>
             </a:r>
             <a:r>
-              <a:rPr lang="en-US" sz="2400" b="true">
+              <a:rPr lang="en-US" sz="2400" b="1">
                 <a:solidFill>
                   <a:srgbClr val="2D262A"/>
                 </a:solidFill>
@@ -8222,7 +8136,7 @@
               <a:t> was developed, consisting of four distinct layers: skin, fat, muscle, and a spherical tumor embedded within. The tumor’s position was precisely </a:t>
             </a:r>
             <a:r>
-              <a:rPr lang="en-US" sz="2400" b="true">
+              <a:rPr lang="en-US" sz="2400" b="1">
                 <a:solidFill>
                   <a:srgbClr val="2D262A"/>
                 </a:solidFill>
@@ -8252,6 +8166,15 @@
                 <a:spcPts val="3359"/>
               </a:lnSpc>
             </a:pPr>
+            <a:endParaRPr lang="en-US" sz="2400">
+              <a:solidFill>
+                <a:srgbClr val="2D262A"/>
+              </a:solidFill>
+              <a:latin typeface="Montserrat Classic"/>
+              <a:ea typeface="Montserrat Classic"/>
+              <a:cs typeface="Montserrat Classic"/>
+              <a:sym typeface="Montserrat Classic"/>
+            </a:endParaRPr>
           </a:p>
           <a:p>
             <a:pPr algn="just">
@@ -8272,7 +8195,7 @@
               <a:t>Each tissue layer was assigned individual </a:t>
             </a:r>
             <a:r>
-              <a:rPr lang="en-US" sz="2400" b="true">
+              <a:rPr lang="en-US" sz="2400" b="1">
                 <a:solidFill>
                   <a:srgbClr val="2D262A"/>
                 </a:solidFill>
@@ -8296,7 +8219,7 @@
               <a:t>, derived from standard research literature, tailored specifically for </a:t>
             </a:r>
             <a:r>
-              <a:rPr lang="en-US" sz="2400" b="true">
+              <a:rPr lang="en-US" sz="2400" b="1">
                 <a:solidFill>
                   <a:srgbClr val="2D262A"/>
                 </a:solidFill>
@@ -8326,17 +8249,26 @@
                 <a:spcPts val="3359"/>
               </a:lnSpc>
             </a:pPr>
-          </a:p>
-        </p:txBody>
-      </p:sp>
-      <p:sp>
-        <p:nvSpPr>
-          <p:cNvPr name="TextBox 13" id="13"/>
-          <p:cNvSpPr txBox="true"/>
+            <a:endParaRPr lang="en-US" sz="2400">
+              <a:solidFill>
+                <a:srgbClr val="2D262A"/>
+              </a:solidFill>
+              <a:latin typeface="Montserrat Classic"/>
+              <a:ea typeface="Montserrat Classic"/>
+              <a:cs typeface="Montserrat Classic"/>
+              <a:sym typeface="Montserrat Classic"/>
+            </a:endParaRPr>
+          </a:p>
+        </p:txBody>
+      </p:sp>
+      <p:sp>
+        <p:nvSpPr>
+          <p:cNvPr id="13" name="TextBox 13"/>
+          <p:cNvSpPr txBox="1"/>
           <p:nvPr/>
         </p:nvSpPr>
         <p:spPr>
-          <a:xfrm rot="0">
+          <a:xfrm>
             <a:off x="12552844" y="8354683"/>
             <a:ext cx="4685092" cy="622935"/>
           </a:xfrm>
@@ -8345,7 +8277,7 @@
           </a:prstGeom>
         </p:spPr>
         <p:txBody>
-          <a:bodyPr anchor="t" rtlCol="false" tIns="0" lIns="0" bIns="0" rIns="0">
+          <a:bodyPr lIns="0" tIns="0" rIns="0" bIns="0" rtlCol="0" anchor="t">
             <a:spAutoFit/>
           </a:bodyPr>
           <a:lstStyle/>
@@ -8356,7 +8288,7 @@
               </a:lnSpc>
             </a:pPr>
             <a:r>
-              <a:rPr lang="en-US" b="true" sz="3600">
+              <a:rPr lang="en-US" sz="3600" b="1">
                 <a:solidFill>
                   <a:srgbClr val="101010"/>
                 </a:solidFill>
@@ -8372,12 +8304,12 @@
       </p:sp>
       <p:sp>
         <p:nvSpPr>
-          <p:cNvPr name="TextBox 14" id="14"/>
-          <p:cNvSpPr txBox="true"/>
+          <p:cNvPr id="14" name="TextBox 14"/>
+          <p:cNvSpPr txBox="1"/>
           <p:nvPr/>
         </p:nvSpPr>
         <p:spPr>
-          <a:xfrm rot="0">
+          <a:xfrm>
             <a:off x="1341090" y="686528"/>
             <a:ext cx="872651" cy="780913"/>
           </a:xfrm>
@@ -8386,7 +8318,7 @@
           </a:prstGeom>
         </p:spPr>
         <p:txBody>
-          <a:bodyPr anchor="t" rtlCol="false" tIns="0" lIns="0" bIns="0" rIns="0">
+          <a:bodyPr lIns="0" tIns="0" rIns="0" bIns="0" rtlCol="0" anchor="t">
             <a:spAutoFit/>
           </a:bodyPr>
           <a:lstStyle/>
@@ -8397,7 +8329,7 @@
               </a:lnSpc>
             </a:pPr>
             <a:r>
-              <a:rPr lang="en-US" b="true" sz="4505">
+              <a:rPr lang="en-US" sz="4505" b="1">
                 <a:solidFill>
                   <a:srgbClr val="101010"/>
                 </a:solidFill>
@@ -8413,12 +8345,12 @@
       </p:sp>
       <p:sp>
         <p:nvSpPr>
-          <p:cNvPr name="TextBox 15" id="15"/>
-          <p:cNvSpPr txBox="true"/>
+          <p:cNvPr id="15" name="TextBox 15"/>
+          <p:cNvSpPr txBox="1"/>
           <p:nvPr/>
         </p:nvSpPr>
         <p:spPr>
-          <a:xfrm rot="0">
+          <a:xfrm>
             <a:off x="1255622" y="2933256"/>
             <a:ext cx="8258196" cy="529209"/>
           </a:xfrm>
@@ -8427,7 +8359,7 @@
           </a:prstGeom>
         </p:spPr>
         <p:txBody>
-          <a:bodyPr anchor="t" rtlCol="false" tIns="0" lIns="0" bIns="0" rIns="0">
+          <a:bodyPr lIns="0" tIns="0" rIns="0" bIns="0" rtlCol="0" anchor="t">
             <a:spAutoFit/>
           </a:bodyPr>
           <a:lstStyle/>
@@ -8438,7 +8370,7 @@
               </a:lnSpc>
             </a:pPr>
             <a:r>
-              <a:rPr lang="en-US" sz="4200" b="true">
+              <a:rPr lang="en-US" sz="4200" b="1">
                 <a:solidFill>
                   <a:srgbClr val="1211CA"/>
                 </a:solidFill>
@@ -8461,7 +8393,7 @@
 </file>
 
 <file path=ppt/slides/slide8.xml><?xml version="1.0" encoding="utf-8"?>
-<p:sld xmlns:p="http://schemas.openxmlformats.org/presentationml/2006/main" xmlns:a="http://schemas.openxmlformats.org/drawingml/2006/main" xmlns:r="http://schemas.openxmlformats.org/officeDocument/2006/relationships">
+<p:sld xmlns:a="http://schemas.openxmlformats.org/drawingml/2006/main" xmlns:r="http://schemas.openxmlformats.org/officeDocument/2006/relationships" xmlns:p="http://schemas.openxmlformats.org/presentationml/2006/main">
   <p:cSld>
     <p:spTree>
       <p:nvGrpSpPr>
@@ -8479,12 +8411,12 @@
       </p:grpSpPr>
       <p:grpSp>
         <p:nvGrpSpPr>
-          <p:cNvPr name="Group 2" id="2"/>
+          <p:cNvPr id="2" name="Group 2"/>
           <p:cNvGrpSpPr/>
           <p:nvPr/>
         </p:nvGrpSpPr>
         <p:grpSpPr>
-          <a:xfrm rot="0">
+          <a:xfrm>
             <a:off x="14116517" y="9103198"/>
             <a:ext cx="3121419" cy="139974"/>
             <a:chOff x="0" y="0"/>
@@ -8493,12 +8425,12 @@
         </p:grpSpPr>
         <p:sp>
           <p:nvSpPr>
-            <p:cNvPr name="Freeform 3" id="3"/>
+            <p:cNvPr id="3" name="Freeform 3"/>
             <p:cNvSpPr/>
             <p:nvPr/>
           </p:nvSpPr>
           <p:spPr>
-            <a:xfrm flipH="false" flipV="false" rot="0">
+            <a:xfrm>
               <a:off x="0" y="0"/>
               <a:ext cx="822102" cy="36866"/>
             </a:xfrm>
@@ -8507,9 +8439,9 @@
               <a:gdLst/>
               <a:ahLst/>
               <a:cxnLst/>
-              <a:rect r="r" b="b" t="t" l="l"/>
+              <a:rect l="l" t="t" r="r" b="b"/>
               <a:pathLst>
-                <a:path h="36866" w="822102">
+                <a:path w="822102" h="36866">
                   <a:moveTo>
                     <a:pt x="0" y="0"/>
                   </a:moveTo>
@@ -8533,8 +8465,8 @@
         </p:sp>
         <p:sp>
           <p:nvSpPr>
-            <p:cNvPr name="TextBox 4" id="4"/>
-            <p:cNvSpPr txBox="true"/>
+            <p:cNvPr id="4" name="TextBox 4"/>
+            <p:cNvSpPr txBox="1"/>
             <p:nvPr/>
           </p:nvSpPr>
           <p:spPr>
@@ -8547,7 +8479,7 @@
             </a:prstGeom>
           </p:spPr>
           <p:txBody>
-            <a:bodyPr anchor="ctr" rtlCol="false" tIns="50800" lIns="50800" bIns="50800" rIns="50800"/>
+            <a:bodyPr lIns="50800" tIns="50800" rIns="50800" bIns="50800" rtlCol="0" anchor="ctr"/>
             <a:lstStyle/>
             <a:p>
               <a:pPr algn="ctr">
@@ -8558,18 +8490,19 @@
                   <a:spcPct val="0"/>
                 </a:spcBef>
               </a:pPr>
+              <a:endParaRPr/>
             </a:p>
           </p:txBody>
         </p:sp>
       </p:grpSp>
       <p:grpSp>
         <p:nvGrpSpPr>
-          <p:cNvPr name="Group 5" id="5"/>
+          <p:cNvPr id="5" name="Group 5"/>
           <p:cNvGrpSpPr/>
           <p:nvPr/>
         </p:nvGrpSpPr>
         <p:grpSpPr>
-          <a:xfrm rot="0">
+          <a:xfrm>
             <a:off x="1028700" y="1650781"/>
             <a:ext cx="1185041" cy="127786"/>
             <a:chOff x="0" y="0"/>
@@ -8578,12 +8511,12 @@
         </p:grpSpPr>
         <p:sp>
           <p:nvSpPr>
-            <p:cNvPr name="Freeform 6" id="6"/>
+            <p:cNvPr id="6" name="Freeform 6"/>
             <p:cNvSpPr/>
             <p:nvPr/>
           </p:nvSpPr>
           <p:spPr>
-            <a:xfrm flipH="false" flipV="false" rot="0">
+            <a:xfrm>
               <a:off x="0" y="0"/>
               <a:ext cx="166260" cy="17928"/>
             </a:xfrm>
@@ -8592,9 +8525,9 @@
               <a:gdLst/>
               <a:ahLst/>
               <a:cxnLst/>
-              <a:rect r="r" b="b" t="t" l="l"/>
+              <a:rect l="l" t="t" r="r" b="b"/>
               <a:pathLst>
-                <a:path h="17928" w="166260">
+                <a:path w="166260" h="17928">
                   <a:moveTo>
                     <a:pt x="0" y="0"/>
                   </a:moveTo>
@@ -8618,8 +8551,8 @@
         </p:sp>
         <p:sp>
           <p:nvSpPr>
-            <p:cNvPr name="TextBox 7" id="7"/>
-            <p:cNvSpPr txBox="true"/>
+            <p:cNvPr id="7" name="TextBox 7"/>
+            <p:cNvSpPr txBox="1"/>
             <p:nvPr/>
           </p:nvSpPr>
           <p:spPr>
@@ -8632,7 +8565,7 @@
             </a:prstGeom>
           </p:spPr>
           <p:txBody>
-            <a:bodyPr anchor="ctr" rtlCol="false" tIns="50800" lIns="50800" bIns="50800" rIns="50800"/>
+            <a:bodyPr lIns="50800" tIns="50800" rIns="50800" bIns="50800" rtlCol="0" anchor="ctr"/>
             <a:lstStyle/>
             <a:p>
               <a:pPr algn="ctr">
@@ -8643,18 +8576,19 @@
                   <a:spcPct val="0"/>
                 </a:spcBef>
               </a:pPr>
+              <a:endParaRPr/>
             </a:p>
           </p:txBody>
         </p:sp>
       </p:grpSp>
       <p:grpSp>
         <p:nvGrpSpPr>
-          <p:cNvPr name="Group 8" id="8"/>
+          <p:cNvPr id="8" name="Group 8"/>
           <p:cNvGrpSpPr/>
           <p:nvPr/>
         </p:nvGrpSpPr>
         <p:grpSpPr>
-          <a:xfrm rot="0">
+          <a:xfrm>
             <a:off x="698281" y="3491033"/>
             <a:ext cx="9807490" cy="4184782"/>
             <a:chOff x="0" y="0"/>
@@ -8663,12 +8597,12 @@
         </p:grpSpPr>
         <p:sp>
           <p:nvSpPr>
-            <p:cNvPr name="Freeform 9" id="9"/>
+            <p:cNvPr id="9" name="Freeform 9"/>
             <p:cNvSpPr/>
             <p:nvPr/>
           </p:nvSpPr>
           <p:spPr>
-            <a:xfrm flipH="false" flipV="false" rot="0">
+            <a:xfrm>
               <a:off x="0" y="0"/>
               <a:ext cx="2583043" cy="1102165"/>
             </a:xfrm>
@@ -8677,9 +8611,9 @@
               <a:gdLst/>
               <a:ahLst/>
               <a:cxnLst/>
-              <a:rect r="r" b="b" t="t" l="l"/>
+              <a:rect l="l" t="t" r="r" b="b"/>
               <a:pathLst>
-                <a:path h="1102165" w="2583043">
+                <a:path w="2583043" h="1102165">
                   <a:moveTo>
                     <a:pt x="15788" y="0"/>
                   </a:moveTo>
@@ -8738,8 +8672,8 @@
         </p:sp>
         <p:sp>
           <p:nvSpPr>
-            <p:cNvPr name="TextBox 10" id="10"/>
-            <p:cNvSpPr txBox="true"/>
+            <p:cNvPr id="10" name="TextBox 10"/>
+            <p:cNvSpPr txBox="1"/>
             <p:nvPr/>
           </p:nvSpPr>
           <p:spPr>
@@ -8752,7 +8686,7 @@
             </a:prstGeom>
           </p:spPr>
           <p:txBody>
-            <a:bodyPr anchor="ctr" rtlCol="false" tIns="50800" lIns="50800" bIns="50800" rIns="50800"/>
+            <a:bodyPr lIns="50800" tIns="50800" rIns="50800" bIns="50800" rtlCol="0" anchor="ctr"/>
             <a:lstStyle/>
             <a:p>
               <a:pPr algn="ctr">
@@ -8760,18 +8694,19 @@
                   <a:spcPts val="3359"/>
                 </a:lnSpc>
               </a:pPr>
+              <a:endParaRPr/>
             </a:p>
           </p:txBody>
         </p:sp>
       </p:grpSp>
       <p:sp>
         <p:nvSpPr>
-          <p:cNvPr name="Freeform 11" id="11"/>
+          <p:cNvPr id="11" name="Freeform 11"/>
           <p:cNvSpPr/>
           <p:nvPr/>
         </p:nvSpPr>
         <p:spPr>
-          <a:xfrm flipH="false" flipV="false" rot="0">
+          <a:xfrm>
             <a:off x="11081102" y="2734022"/>
             <a:ext cx="6708441" cy="4762993"/>
           </a:xfrm>
@@ -8780,9 +8715,9 @@
             <a:gdLst/>
             <a:ahLst/>
             <a:cxnLst/>
-            <a:rect r="r" b="b" t="t" l="l"/>
+            <a:rect l="l" t="t" r="r" b="b"/>
             <a:pathLst>
-              <a:path h="4762993" w="6708441">
+              <a:path w="6708441" h="4762993">
                 <a:moveTo>
                   <a:pt x="0" y="0"/>
                 </a:moveTo>
@@ -8805,7 +8740,7 @@
           <a:blipFill>
             <a:blip r:embed="rId2"/>
             <a:stretch>
-              <a:fillRect l="0" t="0" r="0" b="0"/>
+              <a:fillRect/>
             </a:stretch>
           </a:blipFill>
           <a:ln w="47625" cap="sq">
@@ -8819,12 +8754,12 @@
       </p:sp>
       <p:sp>
         <p:nvSpPr>
-          <p:cNvPr name="TextBox 12" id="12"/>
-          <p:cNvSpPr txBox="true"/>
+          <p:cNvPr id="12" name="TextBox 12"/>
+          <p:cNvSpPr txBox="1"/>
           <p:nvPr/>
         </p:nvSpPr>
         <p:spPr>
-          <a:xfrm rot="0">
+          <a:xfrm>
             <a:off x="1014737" y="3624383"/>
             <a:ext cx="9174579" cy="3758565"/>
           </a:xfrm>
@@ -8833,7 +8768,7 @@
           </a:prstGeom>
         </p:spPr>
         <p:txBody>
-          <a:bodyPr anchor="t" rtlCol="false" tIns="0" lIns="0" bIns="0" rIns="0">
+          <a:bodyPr lIns="0" tIns="0" rIns="0" bIns="0" rtlCol="0" anchor="t">
             <a:spAutoFit/>
           </a:bodyPr>
           <a:lstStyle/>
@@ -8879,12 +8814,12 @@
       </p:sp>
       <p:sp>
         <p:nvSpPr>
-          <p:cNvPr name="TextBox 13" id="13"/>
-          <p:cNvSpPr txBox="true"/>
+          <p:cNvPr id="13" name="TextBox 13"/>
+          <p:cNvSpPr txBox="1"/>
           <p:nvPr/>
         </p:nvSpPr>
         <p:spPr>
-          <a:xfrm rot="0">
+          <a:xfrm>
             <a:off x="12552844" y="8354683"/>
             <a:ext cx="4685092" cy="622935"/>
           </a:xfrm>
@@ -8893,7 +8828,7 @@
           </a:prstGeom>
         </p:spPr>
         <p:txBody>
-          <a:bodyPr anchor="t" rtlCol="false" tIns="0" lIns="0" bIns="0" rIns="0">
+          <a:bodyPr lIns="0" tIns="0" rIns="0" bIns="0" rtlCol="0" anchor="t">
             <a:spAutoFit/>
           </a:bodyPr>
           <a:lstStyle/>
@@ -8904,7 +8839,7 @@
               </a:lnSpc>
             </a:pPr>
             <a:r>
-              <a:rPr lang="en-US" b="true" sz="3600">
+              <a:rPr lang="en-US" sz="3600" b="1">
                 <a:solidFill>
                   <a:srgbClr val="101010"/>
                 </a:solidFill>
@@ -8920,12 +8855,12 @@
       </p:sp>
       <p:sp>
         <p:nvSpPr>
-          <p:cNvPr name="TextBox 14" id="14"/>
-          <p:cNvSpPr txBox="true"/>
+          <p:cNvPr id="14" name="TextBox 14"/>
+          <p:cNvSpPr txBox="1"/>
           <p:nvPr/>
         </p:nvSpPr>
         <p:spPr>
-          <a:xfrm rot="0">
+          <a:xfrm>
             <a:off x="1341090" y="686528"/>
             <a:ext cx="872651" cy="780913"/>
           </a:xfrm>
@@ -8934,7 +8869,7 @@
           </a:prstGeom>
         </p:spPr>
         <p:txBody>
-          <a:bodyPr anchor="t" rtlCol="false" tIns="0" lIns="0" bIns="0" rIns="0">
+          <a:bodyPr lIns="0" tIns="0" rIns="0" bIns="0" rtlCol="0" anchor="t">
             <a:spAutoFit/>
           </a:bodyPr>
           <a:lstStyle/>
@@ -8945,7 +8880,7 @@
               </a:lnSpc>
             </a:pPr>
             <a:r>
-              <a:rPr lang="en-US" b="true" sz="4505">
+              <a:rPr lang="en-US" sz="4505" b="1">
                 <a:solidFill>
                   <a:srgbClr val="101010"/>
                 </a:solidFill>
@@ -8961,12 +8896,12 @@
       </p:sp>
       <p:sp>
         <p:nvSpPr>
-          <p:cNvPr name="TextBox 15" id="15"/>
-          <p:cNvSpPr txBox="true"/>
+          <p:cNvPr id="15" name="TextBox 15"/>
+          <p:cNvSpPr txBox="1"/>
           <p:nvPr/>
         </p:nvSpPr>
         <p:spPr>
-          <a:xfrm rot="0">
+          <a:xfrm>
             <a:off x="1269485" y="2715960"/>
             <a:ext cx="8258196" cy="529209"/>
           </a:xfrm>
@@ -8975,7 +8910,7 @@
           </a:prstGeom>
         </p:spPr>
         <p:txBody>
-          <a:bodyPr anchor="t" rtlCol="false" tIns="0" lIns="0" bIns="0" rIns="0">
+          <a:bodyPr lIns="0" tIns="0" rIns="0" bIns="0" rtlCol="0" anchor="t">
             <a:spAutoFit/>
           </a:bodyPr>
           <a:lstStyle/>
@@ -8986,7 +8921,7 @@
               </a:lnSpc>
             </a:pPr>
             <a:r>
-              <a:rPr lang="en-US" sz="4200" b="true">
+              <a:rPr lang="en-US" sz="4200" b="1">
                 <a:solidFill>
                   <a:srgbClr val="1211CA"/>
                 </a:solidFill>
@@ -9002,12 +8937,12 @@
       </p:sp>
       <p:sp>
         <p:nvSpPr>
-          <p:cNvPr name="TextBox 16" id="16"/>
-          <p:cNvSpPr txBox="true"/>
+          <p:cNvPr id="16" name="TextBox 16"/>
+          <p:cNvSpPr txBox="1"/>
           <p:nvPr/>
         </p:nvSpPr>
         <p:spPr>
-          <a:xfrm rot="0">
+          <a:xfrm>
             <a:off x="2213741" y="9624172"/>
             <a:ext cx="15585684" cy="405765"/>
           </a:xfrm>
@@ -9016,7 +8951,7 @@
           </a:prstGeom>
         </p:spPr>
         <p:txBody>
-          <a:bodyPr anchor="t" rtlCol="false" tIns="0" lIns="0" bIns="0" rIns="0">
+          <a:bodyPr lIns="0" tIns="0" rIns="0" bIns="0" rtlCol="0" anchor="t">
             <a:spAutoFit/>
           </a:bodyPr>
           <a:lstStyle/>
@@ -9030,7 +8965,7 @@
               </a:spcBef>
             </a:pPr>
             <a:r>
-              <a:rPr lang="en-US" b="true" sz="2400">
+              <a:rPr lang="en-US" sz="2400" b="1">
                 <a:solidFill>
                   <a:srgbClr val="000000">
                     <a:alpha val="41961"/>
@@ -9055,7 +8990,7 @@
 </file>
 
 <file path=ppt/slides/slide9.xml><?xml version="1.0" encoding="utf-8"?>
-<p:sld xmlns:p="http://schemas.openxmlformats.org/presentationml/2006/main" xmlns:a="http://schemas.openxmlformats.org/drawingml/2006/main" xmlns:r="http://schemas.openxmlformats.org/officeDocument/2006/relationships">
+<p:sld xmlns:a="http://schemas.openxmlformats.org/drawingml/2006/main" xmlns:r="http://schemas.openxmlformats.org/officeDocument/2006/relationships" xmlns:p="http://schemas.openxmlformats.org/presentationml/2006/main">
   <p:cSld>
     <p:spTree>
       <p:nvGrpSpPr>
@@ -9073,12 +9008,12 @@
       </p:grpSpPr>
       <p:grpSp>
         <p:nvGrpSpPr>
-          <p:cNvPr name="Group 2" id="2"/>
+          <p:cNvPr id="2" name="Group 2"/>
           <p:cNvGrpSpPr/>
           <p:nvPr/>
         </p:nvGrpSpPr>
         <p:grpSpPr>
-          <a:xfrm rot="0">
+          <a:xfrm>
             <a:off x="1028700" y="1650781"/>
             <a:ext cx="1185041" cy="127786"/>
             <a:chOff x="0" y="0"/>
@@ -9087,12 +9022,12 @@
         </p:grpSpPr>
         <p:sp>
           <p:nvSpPr>
-            <p:cNvPr name="Freeform 3" id="3"/>
+            <p:cNvPr id="3" name="Freeform 3"/>
             <p:cNvSpPr/>
             <p:nvPr/>
           </p:nvSpPr>
           <p:spPr>
-            <a:xfrm flipH="false" flipV="false" rot="0">
+            <a:xfrm>
               <a:off x="0" y="0"/>
               <a:ext cx="166260" cy="17928"/>
             </a:xfrm>
@@ -9101,9 +9036,9 @@
               <a:gdLst/>
               <a:ahLst/>
               <a:cxnLst/>
-              <a:rect r="r" b="b" t="t" l="l"/>
+              <a:rect l="l" t="t" r="r" b="b"/>
               <a:pathLst>
-                <a:path h="17928" w="166260">
+                <a:path w="166260" h="17928">
                   <a:moveTo>
                     <a:pt x="0" y="0"/>
                   </a:moveTo>
@@ -9127,8 +9062,8 @@
         </p:sp>
         <p:sp>
           <p:nvSpPr>
-            <p:cNvPr name="TextBox 4" id="4"/>
-            <p:cNvSpPr txBox="true"/>
+            <p:cNvPr id="4" name="TextBox 4"/>
+            <p:cNvSpPr txBox="1"/>
             <p:nvPr/>
           </p:nvSpPr>
           <p:spPr>
@@ -9141,7 +9076,7 @@
             </a:prstGeom>
           </p:spPr>
           <p:txBody>
-            <a:bodyPr anchor="ctr" rtlCol="false" tIns="50800" lIns="50800" bIns="50800" rIns="50800"/>
+            <a:bodyPr lIns="50800" tIns="50800" rIns="50800" bIns="50800" rtlCol="0" anchor="ctr"/>
             <a:lstStyle/>
             <a:p>
               <a:pPr algn="ctr">
@@ -9152,18 +9087,19 @@
                   <a:spcPct val="0"/>
                 </a:spcBef>
               </a:pPr>
+              <a:endParaRPr/>
             </a:p>
           </p:txBody>
         </p:sp>
       </p:grpSp>
       <p:grpSp>
         <p:nvGrpSpPr>
-          <p:cNvPr name="Group 5" id="5"/>
+          <p:cNvPr id="5" name="Group 5"/>
           <p:cNvGrpSpPr/>
           <p:nvPr/>
         </p:nvGrpSpPr>
         <p:grpSpPr>
-          <a:xfrm rot="0">
+          <a:xfrm>
             <a:off x="15022823" y="1638592"/>
             <a:ext cx="2236477" cy="117745"/>
             <a:chOff x="0" y="0"/>
@@ -9172,12 +9108,12 @@
         </p:grpSpPr>
         <p:sp>
           <p:nvSpPr>
-            <p:cNvPr name="Freeform 6" id="6"/>
+            <p:cNvPr id="6" name="Freeform 6"/>
             <p:cNvSpPr/>
             <p:nvPr/>
           </p:nvSpPr>
           <p:spPr>
-            <a:xfrm flipH="false" flipV="false" rot="0">
+            <a:xfrm>
               <a:off x="0" y="0"/>
               <a:ext cx="589031" cy="31011"/>
             </a:xfrm>
@@ -9186,9 +9122,9 @@
               <a:gdLst/>
               <a:ahLst/>
               <a:cxnLst/>
-              <a:rect r="r" b="b" t="t" l="l"/>
+              <a:rect l="l" t="t" r="r" b="b"/>
               <a:pathLst>
-                <a:path h="31011" w="589031">
+                <a:path w="589031" h="31011">
                   <a:moveTo>
                     <a:pt x="0" y="0"/>
                   </a:moveTo>
@@ -9212,8 +9148,8 @@
         </p:sp>
         <p:sp>
           <p:nvSpPr>
-            <p:cNvPr name="TextBox 7" id="7"/>
-            <p:cNvSpPr txBox="true"/>
+            <p:cNvPr id="7" name="TextBox 7"/>
+            <p:cNvSpPr txBox="1"/>
             <p:nvPr/>
           </p:nvSpPr>
           <p:spPr>
@@ -9226,7 +9162,7 @@
             </a:prstGeom>
           </p:spPr>
           <p:txBody>
-            <a:bodyPr anchor="ctr" rtlCol="false" tIns="50800" lIns="50800" bIns="50800" rIns="50800"/>
+            <a:bodyPr lIns="50800" tIns="50800" rIns="50800" bIns="50800" rtlCol="0" anchor="ctr"/>
             <a:lstStyle/>
             <a:p>
               <a:pPr algn="ctr">
@@ -9237,18 +9173,19 @@
                   <a:spcPct val="0"/>
                 </a:spcBef>
               </a:pPr>
+              <a:endParaRPr/>
             </a:p>
           </p:txBody>
         </p:sp>
       </p:grpSp>
       <p:sp>
         <p:nvSpPr>
-          <p:cNvPr name="Freeform 8" id="8"/>
+          <p:cNvPr id="8" name="Freeform 8"/>
           <p:cNvSpPr/>
           <p:nvPr/>
         </p:nvSpPr>
         <p:spPr>
-          <a:xfrm flipH="false" flipV="false" rot="0">
+          <a:xfrm>
             <a:off x="257789" y="3419826"/>
             <a:ext cx="5712285" cy="4062862"/>
           </a:xfrm>
@@ -9257,9 +9194,9 @@
             <a:gdLst/>
             <a:ahLst/>
             <a:cxnLst/>
-            <a:rect r="r" b="b" t="t" l="l"/>
+            <a:rect l="l" t="t" r="r" b="b"/>
             <a:pathLst>
-              <a:path h="4062862" w="5712285">
+              <a:path w="5712285" h="4062862">
                 <a:moveTo>
                   <a:pt x="0" y="0"/>
                 </a:moveTo>
@@ -9282,7 +9219,7 @@
           <a:blipFill>
             <a:blip r:embed="rId2"/>
             <a:stretch>
-              <a:fillRect l="0" t="0" r="0" b="0"/>
+              <a:fillRect/>
             </a:stretch>
           </a:blipFill>
           <a:ln w="47625" cap="sq">
@@ -9296,12 +9233,12 @@
       </p:sp>
       <p:sp>
         <p:nvSpPr>
-          <p:cNvPr name="Freeform 9" id="9"/>
+          <p:cNvPr id="9" name="Freeform 9"/>
           <p:cNvSpPr/>
           <p:nvPr/>
         </p:nvSpPr>
         <p:spPr>
-          <a:xfrm flipH="false" flipV="false" rot="0">
+          <a:xfrm>
             <a:off x="6181243" y="3419826"/>
             <a:ext cx="5925513" cy="3976019"/>
           </a:xfrm>
@@ -9310,9 +9247,9 @@
             <a:gdLst/>
             <a:ahLst/>
             <a:cxnLst/>
-            <a:rect r="r" b="b" t="t" l="l"/>
+            <a:rect l="l" t="t" r="r" b="b"/>
             <a:pathLst>
-              <a:path h="3976019" w="5925513">
+              <a:path w="5925513" h="3976019">
                 <a:moveTo>
                   <a:pt x="0" y="0"/>
                 </a:moveTo>
@@ -9349,12 +9286,12 @@
       </p:sp>
       <p:sp>
         <p:nvSpPr>
-          <p:cNvPr name="Freeform 10" id="10"/>
+          <p:cNvPr id="10" name="Freeform 10"/>
           <p:cNvSpPr/>
           <p:nvPr/>
         </p:nvSpPr>
         <p:spPr>
-          <a:xfrm flipH="false" flipV="false" rot="0">
+          <a:xfrm>
             <a:off x="12316307" y="3419826"/>
             <a:ext cx="5777361" cy="3976019"/>
           </a:xfrm>
@@ -9363,9 +9300,9 @@
             <a:gdLst/>
             <a:ahLst/>
             <a:cxnLst/>
-            <a:rect r="r" b="b" t="t" l="l"/>
+            <a:rect l="l" t="t" r="r" b="b"/>
             <a:pathLst>
-              <a:path h="3976019" w="5777361">
+              <a:path w="5777361" h="3976019">
                 <a:moveTo>
                   <a:pt x="0" y="0"/>
                 </a:moveTo>
@@ -9388,7 +9325,7 @@
           <a:blipFill>
             <a:blip r:embed="rId4"/>
             <a:stretch>
-              <a:fillRect l="0" t="0" r="-18912" b="0"/>
+              <a:fillRect r="-18912"/>
             </a:stretch>
           </a:blipFill>
           <a:ln w="47625" cap="sq">
@@ -9402,12 +9339,12 @@
       </p:sp>
       <p:sp>
         <p:nvSpPr>
-          <p:cNvPr name="TextBox 11" id="11"/>
-          <p:cNvSpPr txBox="true"/>
+          <p:cNvPr id="11" name="TextBox 11"/>
+          <p:cNvSpPr txBox="1"/>
           <p:nvPr/>
         </p:nvSpPr>
         <p:spPr>
-          <a:xfrm rot="0">
+          <a:xfrm>
             <a:off x="1341090" y="686528"/>
             <a:ext cx="872651" cy="780913"/>
           </a:xfrm>
@@ -9416,7 +9353,7 @@
           </a:prstGeom>
         </p:spPr>
         <p:txBody>
-          <a:bodyPr anchor="t" rtlCol="false" tIns="0" lIns="0" bIns="0" rIns="0">
+          <a:bodyPr lIns="0" tIns="0" rIns="0" bIns="0" rtlCol="0" anchor="t">
             <a:spAutoFit/>
           </a:bodyPr>
           <a:lstStyle/>
@@ -9427,7 +9364,7 @@
               </a:lnSpc>
             </a:pPr>
             <a:r>
-              <a:rPr lang="en-US" b="true" sz="4505">
+              <a:rPr lang="en-US" sz="4505" b="1">
                 <a:solidFill>
                   <a:srgbClr val="101010"/>
                 </a:solidFill>
@@ -9443,12 +9380,12 @@
       </p:sp>
       <p:sp>
         <p:nvSpPr>
-          <p:cNvPr name="TextBox 12" id="12"/>
-          <p:cNvSpPr txBox="true"/>
+          <p:cNvPr id="12" name="TextBox 12"/>
+          <p:cNvSpPr txBox="1"/>
           <p:nvPr/>
         </p:nvSpPr>
         <p:spPr>
-          <a:xfrm rot="0">
+          <a:xfrm>
             <a:off x="12574208" y="890077"/>
             <a:ext cx="4685092" cy="622935"/>
           </a:xfrm>
@@ -9457,7 +9394,7 @@
           </a:prstGeom>
         </p:spPr>
         <p:txBody>
-          <a:bodyPr anchor="t" rtlCol="false" tIns="0" lIns="0" bIns="0" rIns="0">
+          <a:bodyPr lIns="0" tIns="0" rIns="0" bIns="0" rtlCol="0" anchor="t">
             <a:spAutoFit/>
           </a:bodyPr>
           <a:lstStyle/>
@@ -9468,7 +9405,7 @@
               </a:lnSpc>
             </a:pPr>
             <a:r>
-              <a:rPr lang="en-US" b="true" sz="3600">
+              <a:rPr lang="en-US" sz="3600" b="1">
                 <a:solidFill>
                   <a:srgbClr val="101010"/>
                 </a:solidFill>
@@ -9484,12 +9421,12 @@
       </p:sp>
       <p:sp>
         <p:nvSpPr>
-          <p:cNvPr name="TextBox 13" id="13"/>
-          <p:cNvSpPr txBox="true"/>
+          <p:cNvPr id="13" name="TextBox 13"/>
+          <p:cNvSpPr txBox="1"/>
           <p:nvPr/>
         </p:nvSpPr>
         <p:spPr>
-          <a:xfrm rot="0">
+          <a:xfrm>
             <a:off x="0" y="7828285"/>
             <a:ext cx="6284409" cy="405765"/>
           </a:xfrm>
@@ -9498,7 +9435,7 @@
           </a:prstGeom>
         </p:spPr>
         <p:txBody>
-          <a:bodyPr anchor="t" rtlCol="false" tIns="0" lIns="0" bIns="0" rIns="0">
+          <a:bodyPr lIns="0" tIns="0" rIns="0" bIns="0" rtlCol="0" anchor="t">
             <a:spAutoFit/>
           </a:bodyPr>
           <a:lstStyle/>
@@ -9509,7 +9446,7 @@
               </a:lnSpc>
             </a:pPr>
             <a:r>
-              <a:rPr lang="en-US" b="true" sz="2400">
+              <a:rPr lang="en-US" sz="2400" b="1">
                 <a:solidFill>
                   <a:srgbClr val="1211CA"/>
                 </a:solidFill>
@@ -9525,12 +9462,12 @@
       </p:sp>
       <p:sp>
         <p:nvSpPr>
-          <p:cNvPr name="TextBox 14" id="14"/>
-          <p:cNvSpPr txBox="true"/>
+          <p:cNvPr id="14" name="TextBox 14"/>
+          <p:cNvSpPr txBox="1"/>
           <p:nvPr/>
         </p:nvSpPr>
         <p:spPr>
-          <a:xfrm rot="0">
+          <a:xfrm>
             <a:off x="6001796" y="7828285"/>
             <a:ext cx="6284409" cy="405765"/>
           </a:xfrm>
@@ -9539,7 +9476,7 @@
           </a:prstGeom>
         </p:spPr>
         <p:txBody>
-          <a:bodyPr anchor="t" rtlCol="false" tIns="0" lIns="0" bIns="0" rIns="0">
+          <a:bodyPr lIns="0" tIns="0" rIns="0" bIns="0" rtlCol="0" anchor="t">
             <a:spAutoFit/>
           </a:bodyPr>
           <a:lstStyle/>
@@ -9550,7 +9487,7 @@
               </a:lnSpc>
             </a:pPr>
             <a:r>
-              <a:rPr lang="en-US" b="true" sz="2400">
+              <a:rPr lang="en-US" sz="2400" b="1">
                 <a:solidFill>
                   <a:srgbClr val="1211CA"/>
                 </a:solidFill>
@@ -9566,12 +9503,12 @@
       </p:sp>
       <p:sp>
         <p:nvSpPr>
-          <p:cNvPr name="TextBox 15" id="15"/>
-          <p:cNvSpPr txBox="true"/>
+          <p:cNvPr id="15" name="TextBox 15"/>
+          <p:cNvSpPr txBox="1"/>
           <p:nvPr/>
         </p:nvSpPr>
         <p:spPr>
-          <a:xfrm rot="0">
+          <a:xfrm>
             <a:off x="11880618" y="7828285"/>
             <a:ext cx="6284409" cy="405765"/>
           </a:xfrm>
@@ -9580,7 +9517,7 @@
           </a:prstGeom>
         </p:spPr>
         <p:txBody>
-          <a:bodyPr anchor="t" rtlCol="false" tIns="0" lIns="0" bIns="0" rIns="0">
+          <a:bodyPr lIns="0" tIns="0" rIns="0" bIns="0" rtlCol="0" anchor="t">
             <a:spAutoFit/>
           </a:bodyPr>
           <a:lstStyle/>
@@ -9591,7 +9528,7 @@
               </a:lnSpc>
             </a:pPr>
             <a:r>
-              <a:rPr lang="en-US" b="true" sz="2400">
+              <a:rPr lang="en-US" sz="2400" b="1">
                 <a:solidFill>
                   <a:srgbClr val="1211CA"/>
                 </a:solidFill>
